--- a/자료/프로젝트.pptx
+++ b/자료/프로젝트.pptx
@@ -20071,8 +20071,8 @@
         </p:nvSpPr>
         <p:spPr>
           <a:xfrm>
-            <a:off x="1535296" y="4260244"/>
-            <a:ext cx="9121408" cy="646331"/>
+            <a:off x="1125729" y="4260244"/>
+            <a:ext cx="9940542" cy="646331"/>
           </a:xfrm>
           <a:prstGeom prst="rect">
             <a:avLst/>
@@ -20101,7 +20101,7 @@
                 <a:latin typeface="나눔스퀘어 Bold" panose="020B0600000101010101" pitchFamily="50" charset="-127"/>
                 <a:ea typeface="나눔스퀘어 Bold" panose="020B0600000101010101" pitchFamily="50" charset="-127"/>
               </a:rPr>
-              <a:t>AI, </a:t>
+              <a:t>AI </a:t>
             </a:r>
             <a:r>
               <a:rPr lang="ko-KR" altLang="en-US" sz="3600" dirty="0" smtClean="0">
@@ -20118,7 +20118,75 @@
                 <a:latin typeface="나눔스퀘어 Bold" panose="020B0600000101010101" pitchFamily="50" charset="-127"/>
                 <a:ea typeface="나눔스퀘어 Bold" panose="020B0600000101010101" pitchFamily="50" charset="-127"/>
               </a:rPr>
-              <a:t>빅데이터를 활용한 </a:t>
+              <a:t>및</a:t>
+            </a:r>
+            <a:r>
+              <a:rPr lang="en-US" altLang="ko-KR" sz="3600" dirty="0" smtClean="0">
+                <a:solidFill>
+                  <a:schemeClr val="bg1"/>
+                </a:solidFill>
+                <a:effectLst>
+                  <a:outerShdw blurRad="38100" dist="38100" dir="2700000" algn="tl">
+                    <a:srgbClr val="000000">
+                      <a:alpha val="43137"/>
+                    </a:srgbClr>
+                  </a:outerShdw>
+                </a:effectLst>
+                <a:latin typeface="나눔스퀘어 Bold" panose="020B0600000101010101" pitchFamily="50" charset="-127"/>
+                <a:ea typeface="나눔스퀘어 Bold" panose="020B0600000101010101" pitchFamily="50" charset="-127"/>
+              </a:rPr>
+              <a:t> </a:t>
+            </a:r>
+            <a:r>
+              <a:rPr lang="ko-KR" altLang="en-US" sz="3600" dirty="0" err="1" smtClean="0">
+                <a:solidFill>
+                  <a:schemeClr val="bg1"/>
+                </a:solidFill>
+                <a:effectLst>
+                  <a:outerShdw blurRad="38100" dist="38100" dir="2700000" algn="tl">
+                    <a:srgbClr val="000000">
+                      <a:alpha val="43137"/>
+                    </a:srgbClr>
+                  </a:outerShdw>
+                </a:effectLst>
+                <a:latin typeface="나눔스퀘어 Bold" panose="020B0600000101010101" pitchFamily="50" charset="-127"/>
+                <a:ea typeface="나눔스퀘어 Bold" panose="020B0600000101010101" pitchFamily="50" charset="-127"/>
+              </a:rPr>
+              <a:t>웹스크래핑을</a:t>
+            </a:r>
+            <a:r>
+              <a:rPr lang="ko-KR" altLang="en-US" sz="3600" dirty="0" smtClean="0">
+                <a:solidFill>
+                  <a:schemeClr val="bg1"/>
+                </a:solidFill>
+                <a:effectLst>
+                  <a:outerShdw blurRad="38100" dist="38100" dir="2700000" algn="tl">
+                    <a:srgbClr val="000000">
+                      <a:alpha val="43137"/>
+                    </a:srgbClr>
+                  </a:outerShdw>
+                </a:effectLst>
+                <a:latin typeface="나눔스퀘어 Bold" panose="020B0600000101010101" pitchFamily="50" charset="-127"/>
+                <a:ea typeface="나눔스퀘어 Bold" panose="020B0600000101010101" pitchFamily="50" charset="-127"/>
+              </a:rPr>
+              <a:t> </a:t>
+            </a:r>
+            <a:r>
+              <a:rPr lang="ko-KR" altLang="en-US" sz="3600" dirty="0" smtClean="0">
+                <a:solidFill>
+                  <a:schemeClr val="bg1"/>
+                </a:solidFill>
+                <a:effectLst>
+                  <a:outerShdw blurRad="38100" dist="38100" dir="2700000" algn="tl">
+                    <a:srgbClr val="000000">
+                      <a:alpha val="43137"/>
+                    </a:srgbClr>
+                  </a:outerShdw>
+                </a:effectLst>
+                <a:latin typeface="나눔스퀘어 Bold" panose="020B0600000101010101" pitchFamily="50" charset="-127"/>
+                <a:ea typeface="나눔스퀘어 Bold" panose="020B0600000101010101" pitchFamily="50" charset="-127"/>
+              </a:rPr>
+              <a:t>활용한 </a:t>
             </a:r>
             <a:r>
               <a:rPr lang="ko-KR" altLang="en-US" sz="3600" dirty="0" err="1" smtClean="0">
@@ -21464,7 +21532,7 @@
           </a:prstGeom>
           <a:ln w="19050">
             <a:solidFill>
-              <a:schemeClr val="bg1"/>
+              <a:srgbClr val="A4CC29"/>
             </a:solidFill>
           </a:ln>
         </p:spPr>
@@ -21593,9 +21661,7 @@
             <a:r>
               <a:rPr lang="ko-KR" altLang="en-US" sz="1600" b="1" dirty="0" smtClean="0">
                 <a:solidFill>
-                  <a:schemeClr val="tx2">
-                    <a:lumMod val="75000"/>
-                  </a:schemeClr>
+                  <a:srgbClr val="FF0000"/>
                 </a:solidFill>
                 <a:latin typeface="나눔스퀘어" panose="020B0600000101010101" pitchFamily="50" charset="-127"/>
                 <a:ea typeface="나눔스퀘어" panose="020B0600000101010101" pitchFamily="50" charset="-127"/>
@@ -21604,9 +21670,7 @@
             </a:r>
             <a:endParaRPr lang="en-US" sz="1600" b="1" dirty="0">
               <a:solidFill>
-                <a:schemeClr val="tx2">
-                  <a:lumMod val="75000"/>
-                </a:schemeClr>
+                <a:srgbClr val="FF0000"/>
               </a:solidFill>
               <a:latin typeface="나눔스퀘어" panose="020B0600000101010101" pitchFamily="50" charset="-127"/>
               <a:ea typeface="나눔스퀘어" panose="020B0600000101010101" pitchFamily="50" charset="-127"/>
@@ -21733,9 +21797,7 @@
             <a:r>
               <a:rPr lang="ko-KR" altLang="en-US" sz="1600" b="1" dirty="0" smtClean="0">
                 <a:solidFill>
-                  <a:schemeClr val="tx2">
-                    <a:lumMod val="75000"/>
-                  </a:schemeClr>
+                  <a:srgbClr val="FF0000"/>
                 </a:solidFill>
                 <a:latin typeface="나눔스퀘어" panose="020B0600000101010101" pitchFamily="50" charset="-127"/>
                 <a:ea typeface="나눔스퀘어" panose="020B0600000101010101" pitchFamily="50" charset="-127"/>
@@ -21744,9 +21806,7 @@
             </a:r>
             <a:endParaRPr lang="en-US" sz="1600" b="1" dirty="0">
               <a:solidFill>
-                <a:schemeClr val="tx2">
-                  <a:lumMod val="75000"/>
-                </a:schemeClr>
+                <a:srgbClr val="FF0000"/>
               </a:solidFill>
               <a:latin typeface="나눔스퀘어" panose="020B0600000101010101" pitchFamily="50" charset="-127"/>
               <a:ea typeface="나눔스퀘어" panose="020B0600000101010101" pitchFamily="50" charset="-127"/>
@@ -21863,7 +21923,7 @@
             <a:avLst/>
           </a:prstGeom>
           <a:solidFill>
-            <a:schemeClr val="accent4"/>
+            <a:srgbClr val="A4CC29"/>
           </a:solidFill>
           <a:ln>
             <a:noFill/>
@@ -21909,7 +21969,7 @@
             <a:avLst/>
           </a:prstGeom>
           <a:solidFill>
-            <a:schemeClr val="accent4"/>
+            <a:srgbClr val="A4CC29"/>
           </a:solidFill>
           <a:ln>
             <a:noFill/>
@@ -21993,7 +22053,7 @@
             <a:avLst/>
           </a:prstGeom>
           <a:solidFill>
-            <a:schemeClr val="accent4"/>
+            <a:srgbClr val="A4CC29"/>
           </a:solidFill>
           <a:ln>
             <a:noFill/>
@@ -22048,9 +22108,7 @@
             <a:r>
               <a:rPr lang="ko-KR" altLang="en-US" sz="1600" b="1" dirty="0" smtClean="0">
                 <a:solidFill>
-                  <a:schemeClr val="tx2">
-                    <a:lumMod val="75000"/>
-                  </a:schemeClr>
+                  <a:srgbClr val="FF0000"/>
                 </a:solidFill>
                 <a:latin typeface="나눔스퀘어" panose="020B0600000101010101" pitchFamily="50" charset="-127"/>
                 <a:ea typeface="나눔스퀘어" panose="020B0600000101010101" pitchFamily="50" charset="-127"/>
@@ -22059,9 +22117,7 @@
             </a:r>
             <a:endParaRPr lang="en-US" sz="1600" b="1" dirty="0">
               <a:solidFill>
-                <a:schemeClr val="tx2">
-                  <a:lumMod val="75000"/>
-                </a:schemeClr>
+                <a:srgbClr val="FF0000"/>
               </a:solidFill>
               <a:latin typeface="나눔스퀘어" panose="020B0600000101010101" pitchFamily="50" charset="-127"/>
               <a:ea typeface="나눔스퀘어" panose="020B0600000101010101" pitchFamily="50" charset="-127"/>
@@ -22331,9 +22387,6 @@
           <a:prstGeom prst="rect">
             <a:avLst/>
           </a:prstGeom>
-          <a:solidFill>
-            <a:schemeClr val="accent5"/>
-          </a:solidFill>
           <a:ln>
             <a:noFill/>
           </a:ln>
@@ -22379,7 +22432,7 @@
           </a:prstGeom>
           <a:ln w="19050">
             <a:solidFill>
-              <a:schemeClr val="bg1"/>
+              <a:srgbClr val="A4CC29"/>
             </a:solidFill>
           </a:ln>
         </p:spPr>
@@ -22413,7 +22466,7 @@
             <a:avLst/>
           </a:prstGeom>
           <a:solidFill>
-            <a:schemeClr val="accent4"/>
+            <a:srgbClr val="A4CC29"/>
           </a:solidFill>
           <a:ln>
             <a:noFill/>
@@ -22459,7 +22512,7 @@
             <a:avLst/>
           </a:prstGeom>
           <a:solidFill>
-            <a:schemeClr val="accent4"/>
+            <a:srgbClr val="A4CC29"/>
           </a:solidFill>
           <a:ln>
             <a:noFill/>
@@ -22505,7 +22558,7 @@
             <a:avLst/>
           </a:prstGeom>
           <a:solidFill>
-            <a:schemeClr val="accent4"/>
+            <a:srgbClr val="A4CC29"/>
           </a:solidFill>
           <a:ln>
             <a:noFill/>
@@ -22561,9 +22614,7 @@
             <a:r>
               <a:rPr lang="en-US" sz="1600" b="1" dirty="0" smtClean="0">
                 <a:solidFill>
-                  <a:schemeClr val="tx2">
-                    <a:lumMod val="75000"/>
-                  </a:schemeClr>
+                  <a:srgbClr val="FF0000"/>
                 </a:solidFill>
                 <a:latin typeface="나눔스퀘어" panose="020B0600000101010101" pitchFamily="50" charset="-127"/>
                 <a:ea typeface="나눔스퀘어" panose="020B0600000101010101" pitchFamily="50" charset="-127"/>
@@ -22573,9 +22624,7 @@
             <a:r>
               <a:rPr lang="ko-KR" altLang="en-US" sz="1600" b="1" dirty="0" smtClean="0">
                 <a:solidFill>
-                  <a:schemeClr val="tx2">
-                    <a:lumMod val="75000"/>
-                  </a:schemeClr>
+                  <a:srgbClr val="FF0000"/>
                 </a:solidFill>
                 <a:latin typeface="나눔스퀘어" panose="020B0600000101010101" pitchFamily="50" charset="-127"/>
                 <a:ea typeface="나눔스퀘어" panose="020B0600000101010101" pitchFamily="50" charset="-127"/>
@@ -22584,9 +22633,7 @@
             </a:r>
             <a:endParaRPr lang="en-US" sz="1600" b="1" dirty="0">
               <a:solidFill>
-                <a:schemeClr val="tx2">
-                  <a:lumMod val="75000"/>
-                </a:schemeClr>
+                <a:srgbClr val="FF0000"/>
               </a:solidFill>
               <a:latin typeface="나눔스퀘어" panose="020B0600000101010101" pitchFamily="50" charset="-127"/>
               <a:ea typeface="나눔스퀘어" panose="020B0600000101010101" pitchFamily="50" charset="-127"/>
@@ -22772,9 +22819,7 @@
             <a:r>
               <a:rPr lang="ko-KR" altLang="en-US" sz="1600" b="1" dirty="0" err="1" smtClean="0">
                 <a:solidFill>
-                  <a:schemeClr val="tx2">
-                    <a:lumMod val="75000"/>
-                  </a:schemeClr>
+                  <a:srgbClr val="FF0000"/>
                 </a:solidFill>
                 <a:latin typeface="나눔스퀘어" panose="020B0600000101010101" pitchFamily="50" charset="-127"/>
                 <a:ea typeface="나눔스퀘어" panose="020B0600000101010101" pitchFamily="50" charset="-127"/>
@@ -22783,9 +22828,7 @@
             </a:r>
             <a:endParaRPr lang="en-US" sz="1600" b="1" dirty="0">
               <a:solidFill>
-                <a:schemeClr val="tx2">
-                  <a:lumMod val="75000"/>
-                </a:schemeClr>
+                <a:srgbClr val="FF0000"/>
               </a:solidFill>
               <a:latin typeface="나눔스퀘어" panose="020B0600000101010101" pitchFamily="50" charset="-127"/>
               <a:ea typeface="나눔스퀘어" panose="020B0600000101010101" pitchFamily="50" charset="-127"/>
@@ -22942,9 +22985,7 @@
             <a:r>
               <a:rPr lang="ko-KR" altLang="en-US" sz="1600" b="1" dirty="0" smtClean="0">
                 <a:solidFill>
-                  <a:schemeClr val="tx2">
-                    <a:lumMod val="75000"/>
-                  </a:schemeClr>
+                  <a:srgbClr val="FF0000"/>
                 </a:solidFill>
                 <a:latin typeface="나눔스퀘어" panose="020B0600000101010101" pitchFamily="50" charset="-127"/>
                 <a:ea typeface="나눔스퀘어" panose="020B0600000101010101" pitchFamily="50" charset="-127"/>
@@ -22953,9 +22994,7 @@
             </a:r>
             <a:endParaRPr lang="en-US" sz="1600" b="1" dirty="0">
               <a:solidFill>
-                <a:schemeClr val="tx2">
-                  <a:lumMod val="75000"/>
-                </a:schemeClr>
+                <a:srgbClr val="FF0000"/>
               </a:solidFill>
               <a:latin typeface="나눔스퀘어" panose="020B0600000101010101" pitchFamily="50" charset="-127"/>
               <a:ea typeface="나눔스퀘어" panose="020B0600000101010101" pitchFamily="50" charset="-127"/>
@@ -23235,7 +23274,7 @@
               <a:avLst/>
             </a:prstGeom>
             <a:solidFill>
-              <a:schemeClr val="accent4"/>
+              <a:srgbClr val="A4CC29"/>
             </a:solidFill>
             <a:ln>
               <a:noFill/>
@@ -23357,7 +23396,7 @@
                 </a:pathLst>
               </a:custGeom>
               <a:solidFill>
-                <a:schemeClr val="accent4"/>
+                <a:srgbClr val="A4CC29"/>
               </a:solidFill>
               <a:ln>
                 <a:noFill/>
@@ -23452,7 +23491,7 @@
                 </a:pathLst>
               </a:custGeom>
               <a:solidFill>
-                <a:schemeClr val="accent4"/>
+                <a:srgbClr val="A4CC29"/>
               </a:solidFill>
               <a:ln>
                 <a:noFill/>
@@ -23547,7 +23586,7 @@
                 </a:pathLst>
               </a:custGeom>
               <a:solidFill>
-                <a:schemeClr val="accent4"/>
+                <a:srgbClr val="A4CC29"/>
               </a:solidFill>
               <a:ln>
                 <a:noFill/>
@@ -23640,7 +23679,7 @@
                 </a:pathLst>
               </a:custGeom>
               <a:solidFill>
-                <a:schemeClr val="accent4"/>
+                <a:srgbClr val="A4CC29"/>
               </a:solidFill>
               <a:ln>
                 <a:noFill/>
@@ -23735,7 +23774,7 @@
                 </a:pathLst>
               </a:custGeom>
               <a:solidFill>
-                <a:schemeClr val="accent4"/>
+                <a:srgbClr val="A4CC29"/>
               </a:solidFill>
               <a:ln>
                 <a:noFill/>
@@ -23830,7 +23869,7 @@
                 </a:pathLst>
               </a:custGeom>
               <a:solidFill>
-                <a:schemeClr val="accent4"/>
+                <a:srgbClr val="A4CC29"/>
               </a:solidFill>
               <a:ln>
                 <a:noFill/>
@@ -23923,7 +23962,7 @@
                 </a:pathLst>
               </a:custGeom>
               <a:solidFill>
-                <a:schemeClr val="accent4"/>
+                <a:srgbClr val="A4CC29"/>
               </a:solidFill>
               <a:ln>
                 <a:noFill/>
@@ -25163,14 +25202,9 @@
   <p:clrMapOvr>
     <a:masterClrMapping/>
   </p:clrMapOvr>
-  <mc:AlternateContent xmlns:mc="http://schemas.openxmlformats.org/markup-compatibility/2006" xmlns:p14="http://schemas.microsoft.com/office/powerpoint/2010/main">
-    <mc:Choice Requires="p14">
-      <p:transition p14:dur="0"/>
-    </mc:Choice>
-    <mc:Fallback xmlns="">
-      <p:transition/>
-    </mc:Fallback>
-  </mc:AlternateContent>
+  <p:transition spd="slow">
+    <p:push dir="u"/>
+  </p:transition>
   <p:timing>
     <p:tnLst>
       <p:par>
@@ -25983,8 +26017,8 @@
         </p:nvSpPr>
         <p:spPr>
           <a:xfrm>
-            <a:off x="554918" y="4073307"/>
-            <a:ext cx="2226892" cy="1077218"/>
+            <a:off x="554919" y="4073307"/>
+            <a:ext cx="2666846" cy="1569660"/>
           </a:xfrm>
           <a:prstGeom prst="rect">
             <a:avLst/>
@@ -25992,7 +26026,7 @@
           <a:noFill/>
         </p:spPr>
         <p:txBody>
-          <a:bodyPr wrap="none" rtlCol="0">
+          <a:bodyPr wrap="square" rtlCol="0">
             <a:spAutoFit/>
           </a:bodyPr>
           <a:lstStyle/>
@@ -26012,16 +26046,10 @@
                 <a:ea typeface="나눔스퀘어" panose="020B0600000101010101" pitchFamily="50" charset="-127"/>
                 <a:cs typeface="Lato Regular"/>
               </a:rPr>
-              <a:t>Request</a:t>
-            </a:r>
-          </a:p>
-          <a:p>
-            <a:pPr marL="285750" indent="-285750">
-              <a:buFont typeface="Arial" panose="020B0604020202020204" pitchFamily="34" charset="0"/>
-              <a:buChar char="•"/>
-            </a:pPr>
-            <a:r>
-              <a:rPr lang="en-US" sz="1600" dirty="0" smtClean="0">
+              <a:t>Selenium : </a:t>
+            </a:r>
+            <a:r>
+              <a:rPr lang="ko-KR" altLang="en-US" sz="1600" dirty="0" smtClean="0">
                 <a:solidFill>
                   <a:schemeClr val="tx2">
                     <a:lumMod val="75000"/>
@@ -26031,8 +26059,109 @@
                 <a:ea typeface="나눔스퀘어" panose="020B0600000101010101" pitchFamily="50" charset="-127"/>
                 <a:cs typeface="Lato Regular"/>
               </a:rPr>
-              <a:t>Bs4</a:t>
-            </a:r>
+              <a:t>특정 사이트 </a:t>
+            </a:r>
+            <a:r>
+              <a:rPr lang="en-US" altLang="ko-KR" sz="1600" dirty="0" err="1" smtClean="0">
+                <a:solidFill>
+                  <a:schemeClr val="tx2">
+                    <a:lumMod val="75000"/>
+                  </a:schemeClr>
+                </a:solidFill>
+                <a:latin typeface="나눔스퀘어" panose="020B0600000101010101" pitchFamily="50" charset="-127"/>
+                <a:ea typeface="나눔스퀘어" panose="020B0600000101010101" pitchFamily="50" charset="-127"/>
+                <a:cs typeface="Lato Regular"/>
+              </a:rPr>
+              <a:t>DDos</a:t>
+            </a:r>
+            <a:r>
+              <a:rPr lang="en-US" altLang="ko-KR" sz="1600" dirty="0" smtClean="0">
+                <a:solidFill>
+                  <a:schemeClr val="tx2">
+                    <a:lumMod val="75000"/>
+                  </a:schemeClr>
+                </a:solidFill>
+                <a:latin typeface="나눔스퀘어" panose="020B0600000101010101" pitchFamily="50" charset="-127"/>
+                <a:ea typeface="나눔스퀘어" panose="020B0600000101010101" pitchFamily="50" charset="-127"/>
+                <a:cs typeface="Lato Regular"/>
+              </a:rPr>
+              <a:t> </a:t>
+            </a:r>
+            <a:r>
+              <a:rPr lang="ko-KR" altLang="en-US" sz="1600" dirty="0" err="1" smtClean="0">
+                <a:solidFill>
+                  <a:schemeClr val="tx2">
+                    <a:lumMod val="75000"/>
+                  </a:schemeClr>
+                </a:solidFill>
+                <a:latin typeface="나눔스퀘어" panose="020B0600000101010101" pitchFamily="50" charset="-127"/>
+                <a:ea typeface="나눔스퀘어" panose="020B0600000101010101" pitchFamily="50" charset="-127"/>
+                <a:cs typeface="Lato Regular"/>
+              </a:rPr>
+              <a:t>프로텍트</a:t>
+            </a:r>
+            <a:r>
+              <a:rPr lang="ko-KR" altLang="en-US" sz="1600" dirty="0">
+                <a:solidFill>
+                  <a:schemeClr val="tx2">
+                    <a:lumMod val="75000"/>
+                  </a:schemeClr>
+                </a:solidFill>
+                <a:latin typeface="나눔스퀘어" panose="020B0600000101010101" pitchFamily="50" charset="-127"/>
+                <a:ea typeface="나눔스퀘어" panose="020B0600000101010101" pitchFamily="50" charset="-127"/>
+                <a:cs typeface="Lato Regular"/>
+              </a:rPr>
+              <a:t> </a:t>
+            </a:r>
+            <a:r>
+              <a:rPr lang="ko-KR" altLang="en-US" sz="1600" dirty="0" smtClean="0">
+                <a:solidFill>
+                  <a:schemeClr val="tx2">
+                    <a:lumMod val="75000"/>
+                  </a:schemeClr>
+                </a:solidFill>
+                <a:latin typeface="나눔스퀘어" panose="020B0600000101010101" pitchFamily="50" charset="-127"/>
+                <a:ea typeface="나눔스퀘어" panose="020B0600000101010101" pitchFamily="50" charset="-127"/>
+                <a:cs typeface="Lato Regular"/>
+              </a:rPr>
+              <a:t>해지를 위해 </a:t>
+            </a:r>
+            <a:r>
+              <a:rPr lang="en-US" altLang="ko-KR" sz="1600" dirty="0" smtClean="0">
+                <a:solidFill>
+                  <a:schemeClr val="tx2">
+                    <a:lumMod val="75000"/>
+                  </a:schemeClr>
+                </a:solidFill>
+                <a:latin typeface="나눔스퀘어" panose="020B0600000101010101" pitchFamily="50" charset="-127"/>
+                <a:ea typeface="나눔스퀘어" panose="020B0600000101010101" pitchFamily="50" charset="-127"/>
+                <a:cs typeface="Lato Regular"/>
+              </a:rPr>
+              <a:t>selenium </a:t>
+            </a:r>
+            <a:r>
+              <a:rPr lang="ko-KR" altLang="en-US" sz="1600" dirty="0" smtClean="0">
+                <a:solidFill>
+                  <a:schemeClr val="tx2">
+                    <a:lumMod val="75000"/>
+                  </a:schemeClr>
+                </a:solidFill>
+                <a:latin typeface="나눔스퀘어" panose="020B0600000101010101" pitchFamily="50" charset="-127"/>
+                <a:ea typeface="나눔스퀘어" panose="020B0600000101010101" pitchFamily="50" charset="-127"/>
+                <a:cs typeface="Lato Regular"/>
+              </a:rPr>
+              <a:t>사용</a:t>
+            </a:r>
+            <a:endParaRPr lang="en-US" sz="1600" dirty="0" smtClean="0">
+              <a:solidFill>
+                <a:schemeClr val="tx2">
+                  <a:lumMod val="75000"/>
+                </a:schemeClr>
+              </a:solidFill>
+              <a:latin typeface="나눔스퀘어" panose="020B0600000101010101" pitchFamily="50" charset="-127"/>
+              <a:ea typeface="나눔스퀘어" panose="020B0600000101010101" pitchFamily="50" charset="-127"/>
+              <a:cs typeface="Lato Regular"/>
+            </a:endParaRPr>
           </a:p>
           <a:p>
             <a:pPr marL="285750" indent="-285750">
@@ -26095,6 +26224,19 @@
               <a:buChar char="•"/>
             </a:pPr>
             <a:r>
+              <a:rPr lang="en-US" altLang="ko-KR" sz="1600" dirty="0" smtClean="0">
+                <a:solidFill>
+                  <a:schemeClr val="tx2">
+                    <a:lumMod val="75000"/>
+                  </a:schemeClr>
+                </a:solidFill>
+                <a:latin typeface="나눔스퀘어" panose="020B0600000101010101" pitchFamily="50" charset="-127"/>
+                <a:ea typeface="나눔스퀘어" panose="020B0600000101010101" pitchFamily="50" charset="-127"/>
+                <a:cs typeface="Lato Regular"/>
+              </a:rPr>
+              <a:t>Pandas : </a:t>
+            </a:r>
+            <a:r>
               <a:rPr lang="ko-KR" altLang="en-US" sz="1600" dirty="0" smtClean="0">
                 <a:solidFill>
                   <a:schemeClr val="tx2">
@@ -26105,7 +26247,75 @@
                 <a:ea typeface="나눔스퀘어" panose="020B0600000101010101" pitchFamily="50" charset="-127"/>
                 <a:cs typeface="Lato Regular"/>
               </a:rPr>
-              <a:t>자료 저장</a:t>
+              <a:t>데이터 가공</a:t>
+            </a:r>
+            <a:endParaRPr lang="en-US" altLang="ko-KR" sz="1600" dirty="0" smtClean="0">
+              <a:solidFill>
+                <a:schemeClr val="tx2">
+                  <a:lumMod val="75000"/>
+                </a:schemeClr>
+              </a:solidFill>
+              <a:latin typeface="나눔스퀘어" panose="020B0600000101010101" pitchFamily="50" charset="-127"/>
+              <a:ea typeface="나눔스퀘어" panose="020B0600000101010101" pitchFamily="50" charset="-127"/>
+              <a:cs typeface="Lato Regular"/>
+            </a:endParaRPr>
+          </a:p>
+          <a:p>
+            <a:pPr marL="285750" indent="-285750">
+              <a:buFont typeface="Arial" panose="020B0604020202020204" pitchFamily="34" charset="0"/>
+              <a:buChar char="•"/>
+            </a:pPr>
+            <a:r>
+              <a:rPr lang="en-US" altLang="ko-KR" sz="1600" dirty="0" smtClean="0">
+                <a:solidFill>
+                  <a:schemeClr val="tx2">
+                    <a:lumMod val="75000"/>
+                  </a:schemeClr>
+                </a:solidFill>
+                <a:latin typeface="나눔스퀘어" panose="020B0600000101010101" pitchFamily="50" charset="-127"/>
+                <a:ea typeface="나눔스퀘어" panose="020B0600000101010101" pitchFamily="50" charset="-127"/>
+                <a:cs typeface="Lato Regular"/>
+              </a:rPr>
+              <a:t>MySQL : </a:t>
+            </a:r>
+            <a:r>
+              <a:rPr lang="ko-KR" altLang="en-US" sz="1600" dirty="0" smtClean="0">
+                <a:solidFill>
+                  <a:schemeClr val="tx2">
+                    <a:lumMod val="75000"/>
+                  </a:schemeClr>
+                </a:solidFill>
+                <a:latin typeface="나눔스퀘어" panose="020B0600000101010101" pitchFamily="50" charset="-127"/>
+                <a:ea typeface="나눔스퀘어" panose="020B0600000101010101" pitchFamily="50" charset="-127"/>
+                <a:cs typeface="Lato Regular"/>
+              </a:rPr>
+              <a:t>데이터</a:t>
+            </a:r>
+            <a:r>
+              <a:rPr lang="ko-KR" altLang="en-US" sz="1600" dirty="0" smtClean="0">
+                <a:solidFill>
+                  <a:schemeClr val="tx2">
+                    <a:lumMod val="75000"/>
+                  </a:schemeClr>
+                </a:solidFill>
+                <a:latin typeface="나눔스퀘어" panose="020B0600000101010101" pitchFamily="50" charset="-127"/>
+                <a:ea typeface="나눔스퀘어" panose="020B0600000101010101" pitchFamily="50" charset="-127"/>
+                <a:cs typeface="Lato Regular"/>
+              </a:rPr>
+              <a:t> </a:t>
+            </a:r>
+            <a:r>
+              <a:rPr lang="ko-KR" altLang="en-US" sz="1600" dirty="0" smtClean="0">
+                <a:solidFill>
+                  <a:schemeClr val="tx2">
+                    <a:lumMod val="75000"/>
+                  </a:schemeClr>
+                </a:solidFill>
+                <a:latin typeface="나눔스퀘어" panose="020B0600000101010101" pitchFamily="50" charset="-127"/>
+                <a:ea typeface="나눔스퀘어" panose="020B0600000101010101" pitchFamily="50" charset="-127"/>
+                <a:cs typeface="Lato Regular"/>
+              </a:rPr>
+              <a:t>저장</a:t>
             </a:r>
             <a:endParaRPr lang="id-ID" sz="1600" dirty="0">
               <a:solidFill>
@@ -26686,7 +26896,7 @@
             <a:effectLst/>
             <a:extLst>
               <a:ext uri="{91240B29-F687-4f45-9708-019B960494DF}">
-                <a14:hiddenLine xmlns:a14="http://schemas.microsoft.com/office/drawing/2010/main" xmlns="" w="9525" cap="flat">
+                <a14:hiddenLine xmlns="" xmlns:a14="http://schemas.microsoft.com/office/drawing/2010/main" w="9525" cap="flat">
                   <a:solidFill>
                     <a:srgbClr val="808080"/>
                   </a:solidFill>
@@ -26696,7 +26906,7 @@
                 </a14:hiddenLine>
               </a:ext>
               <a:ext uri="{AF507438-7753-43e0-B8FC-AC1667EBCBE1}">
-                <a14:hiddenEffects xmlns:a14="http://schemas.microsoft.com/office/drawing/2010/main" xmlns="">
+                <a14:hiddenEffects xmlns="" xmlns:a14="http://schemas.microsoft.com/office/drawing/2010/main">
                   <a:effectLst>
                     <a:outerShdw blurRad="63500" dist="38099" dir="2700000" algn="ctr" rotWithShape="0">
                       <a:srgbClr val="000000">
@@ -27186,7 +27396,7 @@
             <a:effectLst/>
             <a:extLst>
               <a:ext uri="{91240B29-F687-4f45-9708-019B960494DF}">
-                <a14:hiddenLine xmlns="" xmlns:a14="http://schemas.microsoft.com/office/drawing/2010/main" w="12700" cap="flat" cmpd="sng">
+                <a14:hiddenLine xmlns:a14="http://schemas.microsoft.com/office/drawing/2010/main" xmlns="" w="12700" cap="flat" cmpd="sng">
                   <a:solidFill>
                     <a:srgbClr val="000000"/>
                   </a:solidFill>
@@ -27197,7 +27407,7 @@
                 </a14:hiddenLine>
               </a:ext>
               <a:ext uri="{AF507438-7753-43e0-B8FC-AC1667EBCBE1}">
-                <a14:hiddenEffects xmlns="" xmlns:a14="http://schemas.microsoft.com/office/drawing/2010/main">
+                <a14:hiddenEffects xmlns:a14="http://schemas.microsoft.com/office/drawing/2010/main" xmlns="">
                   <a:effectLst>
                     <a:outerShdw blurRad="63500" dist="38099" dir="2700000" algn="ctr" rotWithShape="0">
                       <a:srgbClr val="000000">
@@ -27475,7 +27685,7 @@
             <a:effectLst/>
             <a:extLst>
               <a:ext uri="{91240B29-F687-4f45-9708-019B960494DF}">
-                <a14:hiddenLine xmlns="" xmlns:a14="http://schemas.microsoft.com/office/drawing/2010/main" w="12700" cap="flat" cmpd="sng">
+                <a14:hiddenLine xmlns:a14="http://schemas.microsoft.com/office/drawing/2010/main" xmlns="" w="12700" cap="flat" cmpd="sng">
                   <a:solidFill>
                     <a:srgbClr val="000000"/>
                   </a:solidFill>
@@ -27486,7 +27696,7 @@
                 </a14:hiddenLine>
               </a:ext>
               <a:ext uri="{AF507438-7753-43e0-B8FC-AC1667EBCBE1}">
-                <a14:hiddenEffects xmlns="" xmlns:a14="http://schemas.microsoft.com/office/drawing/2010/main">
+                <a14:hiddenEffects xmlns:a14="http://schemas.microsoft.com/office/drawing/2010/main" xmlns="">
                   <a:effectLst>
                     <a:outerShdw blurRad="63500" dist="38099" dir="2700000" algn="ctr" rotWithShape="0">
                       <a:srgbClr val="000000">
@@ -28147,7 +28357,7 @@
         </p:nvGrpSpPr>
         <p:grpSpPr>
           <a:xfrm>
-            <a:off x="2080396" y="1283007"/>
+            <a:off x="2080396" y="1469627"/>
             <a:ext cx="8356600" cy="5174434"/>
             <a:chOff x="2092500" y="1397889"/>
             <a:chExt cx="8356600" cy="5174434"/>
@@ -28503,7 +28713,7 @@
         </p:nvSpPr>
         <p:spPr>
           <a:xfrm>
-            <a:off x="10619369" y="3293620"/>
+            <a:off x="10619369" y="3480240"/>
             <a:ext cx="393107" cy="2709017"/>
           </a:xfrm>
           <a:prstGeom prst="downArrow">
@@ -28559,7 +28769,7 @@
         </p:blipFill>
         <p:spPr>
           <a:xfrm>
-            <a:off x="2195199" y="2831190"/>
+            <a:off x="2195199" y="3017810"/>
             <a:ext cx="8128120" cy="2847857"/>
           </a:xfrm>
           <a:prstGeom prst="rect">
@@ -28575,7 +28785,7 @@
         </p:nvSpPr>
         <p:spPr>
           <a:xfrm>
-            <a:off x="2296801" y="2001914"/>
+            <a:off x="2296801" y="2188534"/>
             <a:ext cx="3604070" cy="338554"/>
           </a:xfrm>
           <a:prstGeom prst="rect">
@@ -28637,7 +28847,7 @@
         </p:nvSpPr>
         <p:spPr>
           <a:xfrm>
-            <a:off x="2647238" y="5273123"/>
+            <a:off x="2647238" y="5459743"/>
             <a:ext cx="7650444" cy="215444"/>
           </a:xfrm>
           <a:prstGeom prst="rect">
@@ -28879,7 +29089,7 @@
         </p:nvSpPr>
         <p:spPr>
           <a:xfrm>
-            <a:off x="9296400" y="2001914"/>
+            <a:off x="9296400" y="2188534"/>
             <a:ext cx="914400" cy="4177623"/>
           </a:xfrm>
           <a:prstGeom prst="rect">
@@ -28971,7 +29181,7 @@
         </p:nvGrpSpPr>
         <p:grpSpPr>
           <a:xfrm>
-            <a:off x="2080396" y="1283007"/>
+            <a:off x="2080396" y="1469627"/>
             <a:ext cx="8356600" cy="5174434"/>
             <a:chOff x="2092500" y="1397889"/>
             <a:chExt cx="8356600" cy="5174434"/>
@@ -29187,29 +29397,6 @@
           </p:txBody>
         </p:sp>
       </p:grpSp>
-      <p:pic>
-        <p:nvPicPr>
-          <p:cNvPr id="3" name="그림 2"/>
-          <p:cNvPicPr>
-            <a:picLocks noChangeAspect="1"/>
-          </p:cNvPicPr>
-          <p:nvPr/>
-        </p:nvPicPr>
-        <p:blipFill rotWithShape="1">
-          <a:blip r:embed="rId2"/>
-          <a:srcRect b="9323"/>
-          <a:stretch/>
-        </p:blipFill>
-        <p:spPr>
-          <a:xfrm>
-            <a:off x="3398569" y="2421416"/>
-            <a:ext cx="5564456" cy="3556513"/>
-          </a:xfrm>
-          <a:prstGeom prst="rect">
-            <a:avLst/>
-          </a:prstGeom>
-        </p:spPr>
-      </p:pic>
       <p:sp>
         <p:nvSpPr>
           <p:cNvPr id="11" name="Title 1"/>
@@ -29276,7 +29463,7 @@
         </p:nvSpPr>
         <p:spPr>
           <a:xfrm>
-            <a:off x="2296801" y="2001914"/>
+            <a:off x="2296801" y="2188534"/>
             <a:ext cx="3604070" cy="338554"/>
           </a:xfrm>
           <a:prstGeom prst="rect">
@@ -29323,6 +29510,104 @@
       <p:pic>
         <p:nvPicPr>
           <p:cNvPr id="13" name="그림 12"/>
+          <p:cNvPicPr>
+            <a:picLocks noChangeAspect="1"/>
+          </p:cNvPicPr>
+          <p:nvPr/>
+        </p:nvPicPr>
+        <p:blipFill>
+          <a:blip r:embed="rId2"/>
+          <a:stretch>
+            <a:fillRect/>
+          </a:stretch>
+        </p:blipFill>
+        <p:spPr>
+          <a:xfrm>
+            <a:off x="5652058" y="6211204"/>
+            <a:ext cx="1038324" cy="364816"/>
+          </a:xfrm>
+          <a:prstGeom prst="rect">
+            <a:avLst/>
+          </a:prstGeom>
+        </p:spPr>
+      </p:pic>
+      <p:sp>
+        <p:nvSpPr>
+          <p:cNvPr id="15" name="TextBox 14"/>
+          <p:cNvSpPr txBox="1"/>
+          <p:nvPr/>
+        </p:nvSpPr>
+        <p:spPr>
+          <a:xfrm>
+            <a:off x="32550" y="2231025"/>
+            <a:ext cx="1992063" cy="1200329"/>
+          </a:xfrm>
+          <a:prstGeom prst="rect">
+            <a:avLst/>
+          </a:prstGeom>
+          <a:noFill/>
+        </p:spPr>
+        <p:txBody>
+          <a:bodyPr wrap="square" rtlCol="0">
+            <a:spAutoFit/>
+          </a:bodyPr>
+          <a:lstStyle/>
+          <a:p>
+            <a:r>
+              <a:rPr lang="en-US" altLang="ko-KR" dirty="0" smtClean="0"/>
+              <a:t>2</a:t>
+            </a:r>
+            <a:r>
+              <a:rPr lang="ko-KR" altLang="en-US" dirty="0" smtClean="0"/>
+              <a:t>개 메뉴로 구성</a:t>
+            </a:r>
+            <a:endParaRPr lang="en-US" altLang="ko-KR" dirty="0" smtClean="0"/>
+          </a:p>
+          <a:p>
+            <a:endParaRPr lang="en-US" altLang="ko-KR" dirty="0" smtClean="0"/>
+          </a:p>
+          <a:p>
+            <a:r>
+              <a:rPr lang="en-US" altLang="ko-KR" dirty="0"/>
+              <a:t>1. </a:t>
+            </a:r>
+            <a:r>
+              <a:rPr lang="ko-KR" altLang="en-US" dirty="0"/>
+              <a:t>차트 </a:t>
+            </a:r>
+            <a:r>
+              <a:rPr lang="en-US" altLang="ko-KR" dirty="0"/>
+              <a:t>top 10</a:t>
+            </a:r>
+          </a:p>
+          <a:p>
+            <a:r>
+              <a:rPr lang="en-US" altLang="ko-KR" b="1" dirty="0" smtClean="0">
+                <a:solidFill>
+                  <a:srgbClr val="FF0000"/>
+                </a:solidFill>
+              </a:rPr>
+              <a:t>2. </a:t>
+            </a:r>
+            <a:r>
+              <a:rPr lang="ko-KR" altLang="en-US" b="1" dirty="0" smtClean="0">
+                <a:solidFill>
+                  <a:srgbClr val="FF0000"/>
+                </a:solidFill>
+              </a:rPr>
+              <a:t>랭킹 차트</a:t>
+            </a:r>
+            <a:endParaRPr lang="ko-KR" altLang="en-US" b="1" dirty="0">
+              <a:solidFill>
+                <a:srgbClr val="FF0000"/>
+              </a:solidFill>
+            </a:endParaRPr>
+          </a:p>
+        </p:txBody>
+      </p:sp>
+      <p:pic>
+        <p:nvPicPr>
+          <p:cNvPr id="2" name="그림 1"/>
           <p:cNvPicPr>
             <a:picLocks noChangeAspect="1"/>
           </p:cNvPicPr>
@@ -29336,88 +29621,14 @@
         </p:blipFill>
         <p:spPr>
           <a:xfrm>
-            <a:off x="5652058" y="5977929"/>
-            <a:ext cx="1038324" cy="364816"/>
+            <a:off x="3294025" y="2527088"/>
+            <a:ext cx="5929342" cy="3755346"/>
           </a:xfrm>
           <a:prstGeom prst="rect">
             <a:avLst/>
           </a:prstGeom>
         </p:spPr>
       </p:pic>
-      <p:sp>
-        <p:nvSpPr>
-          <p:cNvPr id="15" name="TextBox 14"/>
-          <p:cNvSpPr txBox="1"/>
-          <p:nvPr/>
-        </p:nvSpPr>
-        <p:spPr>
-          <a:xfrm>
-            <a:off x="32550" y="2231025"/>
-            <a:ext cx="1992063" cy="1200329"/>
-          </a:xfrm>
-          <a:prstGeom prst="rect">
-            <a:avLst/>
-          </a:prstGeom>
-          <a:noFill/>
-        </p:spPr>
-        <p:txBody>
-          <a:bodyPr wrap="square" rtlCol="0">
-            <a:spAutoFit/>
-          </a:bodyPr>
-          <a:lstStyle/>
-          <a:p>
-            <a:r>
-              <a:rPr lang="en-US" altLang="ko-KR" dirty="0" smtClean="0"/>
-              <a:t>2</a:t>
-            </a:r>
-            <a:r>
-              <a:rPr lang="ko-KR" altLang="en-US" dirty="0" smtClean="0"/>
-              <a:t>개 메뉴로 구성</a:t>
-            </a:r>
-            <a:endParaRPr lang="en-US" altLang="ko-KR" dirty="0" smtClean="0"/>
-          </a:p>
-          <a:p>
-            <a:endParaRPr lang="en-US" altLang="ko-KR" dirty="0" smtClean="0"/>
-          </a:p>
-          <a:p>
-            <a:r>
-              <a:rPr lang="en-US" altLang="ko-KR" dirty="0"/>
-              <a:t>1. </a:t>
-            </a:r>
-            <a:r>
-              <a:rPr lang="ko-KR" altLang="en-US" dirty="0"/>
-              <a:t>차트 </a:t>
-            </a:r>
-            <a:r>
-              <a:rPr lang="en-US" altLang="ko-KR" dirty="0"/>
-              <a:t>top 10</a:t>
-            </a:r>
-          </a:p>
-          <a:p>
-            <a:r>
-              <a:rPr lang="en-US" altLang="ko-KR" b="1" dirty="0" smtClean="0">
-                <a:solidFill>
-                  <a:srgbClr val="FF0000"/>
-                </a:solidFill>
-              </a:rPr>
-              <a:t>2. </a:t>
-            </a:r>
-            <a:r>
-              <a:rPr lang="ko-KR" altLang="en-US" b="1" dirty="0" smtClean="0">
-                <a:solidFill>
-                  <a:srgbClr val="FF0000"/>
-                </a:solidFill>
-              </a:rPr>
-              <a:t>랭킹 차트</a:t>
-            </a:r>
-            <a:endParaRPr lang="ko-KR" altLang="en-US" b="1" dirty="0">
-              <a:solidFill>
-                <a:srgbClr val="FF0000"/>
-              </a:solidFill>
-            </a:endParaRPr>
-          </a:p>
-        </p:txBody>
-      </p:sp>
     </p:spTree>
     <p:extLst>
       <p:ext uri="{BB962C8B-B14F-4D97-AF65-F5344CB8AC3E}">
@@ -29428,6 +29639,21 @@
   <p:clrMapOvr>
     <a:masterClrMapping/>
   </p:clrMapOvr>
+  <mc:AlternateContent xmlns:mc="http://schemas.openxmlformats.org/markup-compatibility/2006">
+    <mc:Choice xmlns:p14="http://schemas.microsoft.com/office/powerpoint/2010/main" Requires="p14">
+      <p:transition p14:dur="0"/>
+    </mc:Choice>
+    <mc:Fallback>
+      <p:transition/>
+    </mc:Fallback>
+  </mc:AlternateContent>
+  <p:timing>
+    <p:tnLst>
+      <p:par>
+        <p:cTn id="1" dur="indefinite" restart="never" nodeType="tmRoot"/>
+      </p:par>
+    </p:tnLst>
+  </p:timing>
 </p:sld>
 </file>
 
@@ -30481,7 +30707,7 @@
         <p:spPr>
           <a:xfrm>
             <a:off x="4990638" y="3279926"/>
-            <a:ext cx="2406378" cy="1323439"/>
+            <a:ext cx="2406378" cy="1815882"/>
           </a:xfrm>
           <a:prstGeom prst="rect">
             <a:avLst/>
@@ -30498,25 +30724,46 @@
               <a:buChar char="•"/>
             </a:pPr>
             <a:r>
+              <a:rPr lang="ko-KR" altLang="en-US" sz="1600" dirty="0" err="1" smtClean="0">
+                <a:latin typeface="나눔스퀘어" panose="020B0600000101010101" pitchFamily="50" charset="-127"/>
+                <a:ea typeface="나눔스퀘어" panose="020B0600000101010101" pitchFamily="50" charset="-127"/>
+              </a:rPr>
+              <a:t>웹</a:t>
+            </a:r>
+            <a:r>
+              <a:rPr lang="ko-KR" altLang="en-US" sz="1600" dirty="0" err="1" smtClean="0">
+                <a:latin typeface="나눔스퀘어" panose="020B0600000101010101" pitchFamily="50" charset="-127"/>
+                <a:ea typeface="나눔스퀘어" panose="020B0600000101010101" pitchFamily="50" charset="-127"/>
+              </a:rPr>
+              <a:t>스크래핑</a:t>
+            </a:r>
+            <a:r>
+              <a:rPr lang="en-US" altLang="ko-KR" sz="1600" dirty="0" smtClean="0">
+                <a:latin typeface="나눔스퀘어" panose="020B0600000101010101" pitchFamily="50" charset="-127"/>
+                <a:ea typeface="나눔스퀘어" panose="020B0600000101010101" pitchFamily="50" charset="-127"/>
+              </a:rPr>
+              <a:t>,</a:t>
+            </a:r>
+            <a:r>
+              <a:rPr lang="ko-KR" altLang="en-US" sz="1600" dirty="0" err="1" smtClean="0">
+                <a:latin typeface="나눔스퀘어" panose="020B0600000101010101" pitchFamily="50" charset="-127"/>
+                <a:ea typeface="나눔스퀘어" panose="020B0600000101010101" pitchFamily="50" charset="-127"/>
+              </a:rPr>
+              <a:t>크롤링</a:t>
+            </a:r>
+            <a:r>
               <a:rPr lang="ko-KR" altLang="en-US" sz="1600" dirty="0" smtClean="0">
                 <a:latin typeface="나눔스퀘어" panose="020B0600000101010101" pitchFamily="50" charset="-127"/>
                 <a:ea typeface="나눔스퀘어" panose="020B0600000101010101" pitchFamily="50" charset="-127"/>
               </a:rPr>
-              <a:t>빅데이터 </a:t>
+              <a:t> </a:t>
             </a:r>
             <a:r>
               <a:rPr lang="en-US" altLang="ko-KR" sz="1600" dirty="0" smtClean="0">
                 <a:latin typeface="나눔스퀘어" panose="020B0600000101010101" pitchFamily="50" charset="-127"/>
                 <a:ea typeface="나눔스퀘어" panose="020B0600000101010101" pitchFamily="50" charset="-127"/>
               </a:rPr>
-              <a:t>: </a:t>
-            </a:r>
-            <a:r>
-              <a:rPr lang="ko-KR" altLang="en-US" sz="1600" dirty="0" err="1" smtClean="0">
-                <a:latin typeface="나눔스퀘어" panose="020B0600000101010101" pitchFamily="50" charset="-127"/>
-                <a:ea typeface="나눔스퀘어" panose="020B0600000101010101" pitchFamily="50" charset="-127"/>
-              </a:rPr>
-              <a:t>웹크롤링</a:t>
+              <a:t>: Selenium for Chrome</a:t>
             </a:r>
             <a:endParaRPr lang="en-US" altLang="ko-KR" sz="1600" dirty="0" smtClean="0">
               <a:latin typeface="나눔스퀘어" panose="020B0600000101010101" pitchFamily="50" charset="-127"/>
@@ -30578,15 +30825,32 @@
                 <a:latin typeface="나눔스퀘어" panose="020B0600000101010101" pitchFamily="50" charset="-127"/>
                 <a:ea typeface="나눔스퀘어" panose="020B0600000101010101" pitchFamily="50" charset="-127"/>
               </a:rPr>
-              <a:t>: Python, Django, MySQL, Vue.js</a:t>
-            </a:r>
-            <a:r>
-              <a:rPr lang="en-US" altLang="ko-KR" sz="1600" dirty="0">
+              <a:t>: Python, Django, MySQL, </a:t>
+            </a:r>
+            <a:r>
+              <a:rPr lang="en-US" altLang="ko-KR" sz="1600" dirty="0" smtClean="0">
                 <a:latin typeface="나눔스퀘어" panose="020B0600000101010101" pitchFamily="50" charset="-127"/>
                 <a:ea typeface="나눔스퀘어" panose="020B0600000101010101" pitchFamily="50" charset="-127"/>
               </a:rPr>
-              <a:t>, HTML5, </a:t>
-            </a:r>
+              <a:t>HTML5 </a:t>
+            </a:r>
+          </a:p>
+          <a:p>
+            <a:pPr marL="179388" lvl="1" indent="-179388">
+              <a:buFont typeface="Arial" panose="020B0604020202020204" pitchFamily="34" charset="0"/>
+              <a:buChar char="•"/>
+            </a:pPr>
+            <a:r>
+              <a:rPr lang="en-US" altLang="ko-KR" sz="1600" dirty="0" smtClean="0">
+                <a:latin typeface="나눔스퀘어" panose="020B0600000101010101" pitchFamily="50" charset="-127"/>
+                <a:ea typeface="나눔스퀘어" panose="020B0600000101010101" pitchFamily="50" charset="-127"/>
+              </a:rPr>
+              <a:t>Version Control : GitHub</a:t>
+            </a:r>
+            <a:endParaRPr lang="en-US" altLang="ko-KR" sz="1600" dirty="0">
+              <a:latin typeface="나눔스퀘어" panose="020B0600000101010101" pitchFamily="50" charset="-127"/>
+              <a:ea typeface="나눔스퀘어" panose="020B0600000101010101" pitchFamily="50" charset="-127"/>
+            </a:endParaRPr>
           </a:p>
         </p:txBody>
       </p:sp>
@@ -30686,19 +30950,23 @@
               <a:t>월 </a:t>
             </a:r>
             <a:r>
-              <a:rPr lang="en-US" altLang="ko-KR" sz="1600" dirty="0">
+              <a:rPr lang="en-US" altLang="ko-KR" sz="1600" dirty="0" smtClean="0">
                 <a:latin typeface="나눔스퀘어" panose="020B0600000101010101" pitchFamily="50" charset="-127"/>
                 <a:ea typeface="나눔스퀘어" panose="020B0600000101010101" pitchFamily="50" charset="-127"/>
               </a:rPr>
-              <a:t>24</a:t>
-            </a:r>
-            <a:r>
-              <a:rPr lang="ko-KR" altLang="en-US" sz="1600" dirty="0">
+              <a:t>10</a:t>
+            </a:r>
+            <a:r>
+              <a:rPr lang="ko-KR" altLang="en-US" sz="1600" dirty="0" smtClean="0">
                 <a:latin typeface="나눔스퀘어" panose="020B0600000101010101" pitchFamily="50" charset="-127"/>
                 <a:ea typeface="나눔스퀘어" panose="020B0600000101010101" pitchFamily="50" charset="-127"/>
               </a:rPr>
               <a:t>일</a:t>
             </a:r>
+            <a:endParaRPr lang="ko-KR" altLang="en-US" sz="1600" dirty="0">
+              <a:latin typeface="나눔스퀘어" panose="020B0600000101010101" pitchFamily="50" charset="-127"/>
+              <a:ea typeface="나눔스퀘어" panose="020B0600000101010101" pitchFamily="50" charset="-127"/>
+            </a:endParaRPr>
           </a:p>
         </p:txBody>
       </p:sp>
@@ -31314,17 +31582,21 @@
           <a:p>
             <a:pPr algn="ctr"/>
             <a:r>
-              <a:rPr lang="en-US" sz="2400" b="1" dirty="0" smtClean="0">
+              <a:rPr lang="en-US" sz="2000" b="1" dirty="0" smtClean="0">
                 <a:solidFill>
                   <a:schemeClr val="bg1"/>
                 </a:solidFill>
+                <a:latin typeface="나눔스퀘어라운드 Bold" panose="020B0600000101010101" pitchFamily="50" charset="-127"/>
+                <a:ea typeface="나눔스퀘어라운드 Bold" panose="020B0600000101010101" pitchFamily="50" charset="-127"/>
               </a:rPr>
               <a:t>2019-12</a:t>
             </a:r>
-            <a:endParaRPr lang="en-US" sz="2400" b="1" dirty="0">
+            <a:endParaRPr lang="en-US" sz="2000" b="1" dirty="0">
               <a:solidFill>
                 <a:schemeClr val="bg1"/>
               </a:solidFill>
+              <a:latin typeface="나눔스퀘어라운드 Bold" panose="020B0600000101010101" pitchFamily="50" charset="-127"/>
+              <a:ea typeface="나눔스퀘어라운드 Bold" panose="020B0600000101010101" pitchFamily="50" charset="-127"/>
             </a:endParaRPr>
           </a:p>
         </p:txBody>
@@ -31372,17 +31644,21 @@
           <a:p>
             <a:pPr algn="ctr"/>
             <a:r>
-              <a:rPr lang="en-US" sz="2400" b="1" dirty="0" smtClean="0">
+              <a:rPr lang="en-US" sz="2000" b="1" dirty="0" smtClean="0">
                 <a:solidFill>
                   <a:schemeClr val="bg1"/>
                 </a:solidFill>
+                <a:latin typeface="나눔스퀘어라운드 Bold" panose="020B0600000101010101" pitchFamily="50" charset="-127"/>
+                <a:ea typeface="나눔스퀘어라운드 Bold" panose="020B0600000101010101" pitchFamily="50" charset="-127"/>
               </a:rPr>
               <a:t>2020-01</a:t>
             </a:r>
-            <a:endParaRPr lang="en-US" sz="2400" b="1" dirty="0">
+            <a:endParaRPr lang="en-US" sz="2000" b="1" dirty="0">
               <a:solidFill>
                 <a:schemeClr val="bg1"/>
               </a:solidFill>
+              <a:latin typeface="나눔스퀘어라운드 Bold" panose="020B0600000101010101" pitchFamily="50" charset="-127"/>
+              <a:ea typeface="나눔스퀘어라운드 Bold" panose="020B0600000101010101" pitchFamily="50" charset="-127"/>
             </a:endParaRPr>
           </a:p>
         </p:txBody>
@@ -31433,7 +31709,7 @@
           <a:p>
             <a:pPr algn="ctr" latinLnBrk="1"/>
             <a:r>
-              <a:rPr lang="ko-KR" altLang="en-US" sz="1600" dirty="0">
+              <a:rPr lang="ko-KR" altLang="en-US" sz="1400" dirty="0">
                 <a:solidFill>
                   <a:schemeClr val="tx1"/>
                 </a:solidFill>
@@ -31442,7 +31718,7 @@
               </a:rPr>
               <a:t>프로젝트 주제 선정</a:t>
             </a:r>
-            <a:endParaRPr lang="en-US" altLang="ko-KR" sz="1600" dirty="0">
+            <a:endParaRPr lang="en-US" altLang="ko-KR" sz="1400" dirty="0">
               <a:solidFill>
                 <a:schemeClr val="tx1"/>
               </a:solidFill>
@@ -31453,7 +31729,7 @@
           <a:p>
             <a:pPr algn="ctr" latinLnBrk="1"/>
             <a:r>
-              <a:rPr lang="ko-KR" altLang="en-US" sz="1600" dirty="0">
+              <a:rPr lang="ko-KR" altLang="en-US" sz="1400" dirty="0">
                 <a:solidFill>
                   <a:schemeClr val="tx1"/>
                 </a:solidFill>
@@ -31511,7 +31787,7 @@
           <a:p>
             <a:pPr algn="ctr" latinLnBrk="1"/>
             <a:r>
-              <a:rPr lang="ko-KR" altLang="en-US" sz="1600" dirty="0">
+              <a:rPr lang="ko-KR" altLang="en-US" sz="1400" dirty="0">
                 <a:solidFill>
                   <a:schemeClr val="tx1"/>
                 </a:solidFill>
@@ -31524,7 +31800,7 @@
           <a:p>
             <a:pPr algn="ctr" latinLnBrk="1"/>
             <a:r>
-              <a:rPr lang="ko-KR" altLang="en-US" sz="1600" dirty="0">
+              <a:rPr lang="ko-KR" altLang="en-US" sz="1400" dirty="0">
                 <a:solidFill>
                   <a:schemeClr val="tx1"/>
                 </a:solidFill>
@@ -31582,7 +31858,7 @@
           <a:p>
             <a:pPr algn="ctr" latinLnBrk="1"/>
             <a:r>
-              <a:rPr lang="ko-KR" altLang="en-US" sz="1600" dirty="0">
+              <a:rPr lang="ko-KR" altLang="en-US" sz="1400" dirty="0">
                 <a:solidFill>
                   <a:schemeClr val="tx1"/>
                 </a:solidFill>
@@ -31640,7 +31916,7 @@
           <a:p>
             <a:pPr algn="ctr" latinLnBrk="1"/>
             <a:r>
-              <a:rPr lang="ko-KR" altLang="en-US" sz="1600" dirty="0">
+              <a:rPr lang="ko-KR" altLang="en-US" sz="1400" dirty="0">
                 <a:solidFill>
                   <a:schemeClr val="tx1"/>
                 </a:solidFill>
@@ -31698,7 +31974,7 @@
           <a:p>
             <a:pPr algn="ctr" latinLnBrk="1"/>
             <a:r>
-              <a:rPr lang="ko-KR" altLang="en-US" sz="1600" dirty="0">
+              <a:rPr lang="ko-KR" altLang="en-US" sz="1400" dirty="0">
                 <a:solidFill>
                   <a:schemeClr val="tx1"/>
                 </a:solidFill>
@@ -31708,7 +31984,7 @@
               <a:t>문서 </a:t>
             </a:r>
             <a:r>
-              <a:rPr lang="ko-KR" altLang="en-US" sz="1600" dirty="0" smtClean="0">
+              <a:rPr lang="ko-KR" altLang="en-US" sz="1400" dirty="0" smtClean="0">
                 <a:solidFill>
                   <a:schemeClr val="tx1"/>
                 </a:solidFill>
@@ -31717,7 +31993,7 @@
               </a:rPr>
               <a:t>작업</a:t>
             </a:r>
-            <a:endParaRPr lang="ko-KR" altLang="en-US" sz="1600" dirty="0">
+            <a:endParaRPr lang="ko-KR" altLang="en-US" sz="1400" dirty="0">
               <a:solidFill>
                 <a:schemeClr val="tx1"/>
               </a:solidFill>
@@ -31773,7 +32049,7 @@
           <a:p>
             <a:pPr algn="ctr" latinLnBrk="1"/>
             <a:r>
-              <a:rPr lang="ko-KR" altLang="en-US" sz="1600" dirty="0">
+              <a:rPr lang="ko-KR" altLang="en-US" sz="1400" dirty="0">
                 <a:solidFill>
                   <a:schemeClr val="tx1"/>
                 </a:solidFill>
@@ -31783,7 +32059,7 @@
               <a:t>문서 </a:t>
             </a:r>
             <a:r>
-              <a:rPr lang="ko-KR" altLang="en-US" sz="1600" dirty="0" err="1" smtClean="0">
+              <a:rPr lang="ko-KR" altLang="en-US" sz="1400" dirty="0" err="1" smtClean="0">
                 <a:solidFill>
                   <a:schemeClr val="tx1"/>
                 </a:solidFill>
@@ -31792,7 +32068,7 @@
               </a:rPr>
               <a:t>최종본</a:t>
             </a:r>
-            <a:endParaRPr lang="en-US" altLang="ko-KR" sz="1600" dirty="0" smtClean="0">
+            <a:endParaRPr lang="en-US" altLang="ko-KR" sz="1400" dirty="0" smtClean="0">
               <a:solidFill>
                 <a:schemeClr val="tx1"/>
               </a:solidFill>
@@ -31803,7 +32079,7 @@
           <a:p>
             <a:pPr algn="ctr" latinLnBrk="1"/>
             <a:r>
-              <a:rPr lang="ko-KR" altLang="en-US" sz="1600" dirty="0" smtClean="0">
+              <a:rPr lang="ko-KR" altLang="en-US" sz="1400" dirty="0" smtClean="0">
                 <a:solidFill>
                   <a:schemeClr val="tx1"/>
                 </a:solidFill>
@@ -31812,7 +32088,7 @@
               </a:rPr>
               <a:t>완성</a:t>
             </a:r>
-            <a:endParaRPr lang="ko-KR" altLang="en-US" sz="1600" dirty="0">
+            <a:endParaRPr lang="ko-KR" altLang="en-US" sz="1400" dirty="0">
               <a:solidFill>
                 <a:schemeClr val="tx1"/>
               </a:solidFill>
@@ -31822,247 +32098,6 @@
           </a:p>
         </p:txBody>
       </p:sp>
-      <p:grpSp>
-        <p:nvGrpSpPr>
-          <p:cNvPr id="85" name="Group 11"/>
-          <p:cNvGrpSpPr/>
-          <p:nvPr/>
-        </p:nvGrpSpPr>
-        <p:grpSpPr>
-          <a:xfrm>
-            <a:off x="10776247" y="1204266"/>
-            <a:ext cx="655090" cy="925117"/>
-            <a:chOff x="7702944" y="1855811"/>
-            <a:chExt cx="655090" cy="925117"/>
-          </a:xfrm>
-        </p:grpSpPr>
-        <p:sp>
-          <p:nvSpPr>
-            <p:cNvPr id="86" name="Freeform 7"/>
-            <p:cNvSpPr>
-              <a:spLocks noEditPoints="1"/>
-            </p:cNvSpPr>
-            <p:nvPr/>
-          </p:nvSpPr>
-          <p:spPr bwMode="auto">
-            <a:xfrm>
-              <a:off x="7702944" y="1855811"/>
-              <a:ext cx="655090" cy="925117"/>
-            </a:xfrm>
-            <a:custGeom>
-              <a:avLst/>
-              <a:gdLst>
-                <a:gd name="T0" fmla="*/ 26 w 26"/>
-                <a:gd name="T1" fmla="*/ 13 h 39"/>
-                <a:gd name="T2" fmla="*/ 13 w 26"/>
-                <a:gd name="T3" fmla="*/ 0 h 39"/>
-                <a:gd name="T4" fmla="*/ 0 w 26"/>
-                <a:gd name="T5" fmla="*/ 13 h 39"/>
-                <a:gd name="T6" fmla="*/ 2 w 26"/>
-                <a:gd name="T7" fmla="*/ 20 h 39"/>
-                <a:gd name="T8" fmla="*/ 2 w 26"/>
-                <a:gd name="T9" fmla="*/ 20 h 39"/>
-                <a:gd name="T10" fmla="*/ 13 w 26"/>
-                <a:gd name="T11" fmla="*/ 39 h 39"/>
-                <a:gd name="T12" fmla="*/ 24 w 26"/>
-                <a:gd name="T13" fmla="*/ 20 h 39"/>
-                <a:gd name="T14" fmla="*/ 24 w 26"/>
-                <a:gd name="T15" fmla="*/ 20 h 39"/>
-                <a:gd name="T16" fmla="*/ 26 w 26"/>
-                <a:gd name="T17" fmla="*/ 13 h 39"/>
-                <a:gd name="T18" fmla="*/ 13 w 26"/>
-                <a:gd name="T19" fmla="*/ 24 h 39"/>
-                <a:gd name="T20" fmla="*/ 2 w 26"/>
-                <a:gd name="T21" fmla="*/ 13 h 39"/>
-                <a:gd name="T22" fmla="*/ 13 w 26"/>
-                <a:gd name="T23" fmla="*/ 3 h 39"/>
-                <a:gd name="T24" fmla="*/ 24 w 26"/>
-                <a:gd name="T25" fmla="*/ 13 h 39"/>
-                <a:gd name="T26" fmla="*/ 13 w 26"/>
-                <a:gd name="T27" fmla="*/ 24 h 39"/>
-              </a:gdLst>
-              <a:ahLst/>
-              <a:cxnLst>
-                <a:cxn ang="0">
-                  <a:pos x="T0" y="T1"/>
-                </a:cxn>
-                <a:cxn ang="0">
-                  <a:pos x="T2" y="T3"/>
-                </a:cxn>
-                <a:cxn ang="0">
-                  <a:pos x="T4" y="T5"/>
-                </a:cxn>
-                <a:cxn ang="0">
-                  <a:pos x="T6" y="T7"/>
-                </a:cxn>
-                <a:cxn ang="0">
-                  <a:pos x="T8" y="T9"/>
-                </a:cxn>
-                <a:cxn ang="0">
-                  <a:pos x="T10" y="T11"/>
-                </a:cxn>
-                <a:cxn ang="0">
-                  <a:pos x="T12" y="T13"/>
-                </a:cxn>
-                <a:cxn ang="0">
-                  <a:pos x="T14" y="T15"/>
-                </a:cxn>
-                <a:cxn ang="0">
-                  <a:pos x="T16" y="T17"/>
-                </a:cxn>
-                <a:cxn ang="0">
-                  <a:pos x="T18" y="T19"/>
-                </a:cxn>
-                <a:cxn ang="0">
-                  <a:pos x="T20" y="T21"/>
-                </a:cxn>
-                <a:cxn ang="0">
-                  <a:pos x="T22" y="T23"/>
-                </a:cxn>
-                <a:cxn ang="0">
-                  <a:pos x="T24" y="T25"/>
-                </a:cxn>
-                <a:cxn ang="0">
-                  <a:pos x="T26" y="T27"/>
-                </a:cxn>
-              </a:cxnLst>
-              <a:rect l="0" t="0" r="r" b="b"/>
-              <a:pathLst>
-                <a:path w="26" h="39">
-                  <a:moveTo>
-                    <a:pt x="26" y="13"/>
-                  </a:moveTo>
-                  <a:cubicBezTo>
-                    <a:pt x="26" y="6"/>
-                    <a:pt x="20" y="0"/>
-                    <a:pt x="13" y="0"/>
-                  </a:cubicBezTo>
-                  <a:cubicBezTo>
-                    <a:pt x="6" y="0"/>
-                    <a:pt x="0" y="6"/>
-                    <a:pt x="0" y="13"/>
-                  </a:cubicBezTo>
-                  <a:cubicBezTo>
-                    <a:pt x="0" y="16"/>
-                    <a:pt x="1" y="18"/>
-                    <a:pt x="2" y="20"/>
-                  </a:cubicBezTo>
-                  <a:cubicBezTo>
-                    <a:pt x="2" y="20"/>
-                    <a:pt x="2" y="20"/>
-                    <a:pt x="2" y="20"/>
-                  </a:cubicBezTo>
-                  <a:cubicBezTo>
-                    <a:pt x="13" y="39"/>
-                    <a:pt x="13" y="39"/>
-                    <a:pt x="13" y="39"/>
-                  </a:cubicBezTo>
-                  <a:cubicBezTo>
-                    <a:pt x="24" y="20"/>
-                    <a:pt x="24" y="20"/>
-                    <a:pt x="24" y="20"/>
-                  </a:cubicBezTo>
-                  <a:cubicBezTo>
-                    <a:pt x="24" y="20"/>
-                    <a:pt x="24" y="20"/>
-                    <a:pt x="24" y="20"/>
-                  </a:cubicBezTo>
-                  <a:cubicBezTo>
-                    <a:pt x="25" y="18"/>
-                    <a:pt x="26" y="16"/>
-                    <a:pt x="26" y="13"/>
-                  </a:cubicBezTo>
-                  <a:close/>
-                  <a:moveTo>
-                    <a:pt x="13" y="24"/>
-                  </a:moveTo>
-                  <a:cubicBezTo>
-                    <a:pt x="7" y="24"/>
-                    <a:pt x="2" y="19"/>
-                    <a:pt x="2" y="13"/>
-                  </a:cubicBezTo>
-                  <a:cubicBezTo>
-                    <a:pt x="2" y="7"/>
-                    <a:pt x="7" y="3"/>
-                    <a:pt x="13" y="3"/>
-                  </a:cubicBezTo>
-                  <a:cubicBezTo>
-                    <a:pt x="19" y="3"/>
-                    <a:pt x="24" y="7"/>
-                    <a:pt x="24" y="13"/>
-                  </a:cubicBezTo>
-                  <a:cubicBezTo>
-                    <a:pt x="24" y="19"/>
-                    <a:pt x="19" y="24"/>
-                    <a:pt x="13" y="24"/>
-                  </a:cubicBezTo>
-                  <a:close/>
-                </a:path>
-              </a:pathLst>
-            </a:custGeom>
-            <a:solidFill>
-              <a:schemeClr val="accent4"/>
-            </a:solidFill>
-            <a:ln>
-              <a:noFill/>
-            </a:ln>
-            <a:extLst/>
-          </p:spPr>
-          <p:txBody>
-            <a:bodyPr vert="horz" wrap="square" lIns="91440" tIns="45720" rIns="91440" bIns="45720" numCol="1" anchor="t" anchorCtr="0" compatLnSpc="1">
-              <a:prstTxWarp prst="textNoShape">
-                <a:avLst/>
-              </a:prstTxWarp>
-            </a:bodyPr>
-            <a:lstStyle/>
-            <a:p>
-              <a:endParaRPr lang="zh-CN" altLang="en-US"/>
-            </a:p>
-          </p:txBody>
-        </p:sp>
-        <p:sp>
-          <p:nvSpPr>
-            <p:cNvPr id="87" name="TextBox 86"/>
-            <p:cNvSpPr txBox="1"/>
-            <p:nvPr/>
-          </p:nvSpPr>
-          <p:spPr>
-            <a:xfrm>
-              <a:off x="7714481" y="1987570"/>
-              <a:ext cx="607859" cy="369332"/>
-            </a:xfrm>
-            <a:prstGeom prst="rect">
-              <a:avLst/>
-            </a:prstGeom>
-            <a:noFill/>
-          </p:spPr>
-          <p:txBody>
-            <a:bodyPr wrap="none" rtlCol="0">
-              <a:spAutoFit/>
-            </a:bodyPr>
-            <a:lstStyle/>
-            <a:p>
-              <a:pPr algn="ctr"/>
-              <a:r>
-                <a:rPr lang="ko-KR" altLang="en-US" dirty="0" smtClean="0">
-                  <a:solidFill>
-                    <a:schemeClr val="accent4"/>
-                  </a:solidFill>
-                  <a:latin typeface="나눔스퀘어" panose="020B0600000101010101" pitchFamily="50" charset="-127"/>
-                  <a:ea typeface="나눔스퀘어" panose="020B0600000101010101" pitchFamily="50" charset="-127"/>
-                </a:rPr>
-                <a:t>발표</a:t>
-              </a:r>
-              <a:endParaRPr lang="vi-VN" dirty="0">
-                <a:solidFill>
-                  <a:schemeClr val="accent4"/>
-                </a:solidFill>
-                <a:ea typeface="나눔스퀘어" panose="020B0600000101010101" pitchFamily="50" charset="-127"/>
-              </a:endParaRPr>
-            </a:p>
-          </p:txBody>
-        </p:sp>
-      </p:grpSp>
       <p:sp>
         <p:nvSpPr>
           <p:cNvPr id="88" name="직사각형 87"/>
@@ -32108,7 +32143,7 @@
           <a:lstStyle/>
           <a:p>
             <a:pPr algn="ctr" latinLnBrk="1"/>
-            <a:endParaRPr lang="ko-KR" altLang="en-US" sz="1600" dirty="0">
+            <a:endParaRPr lang="ko-KR" altLang="en-US" sz="1400" dirty="0">
               <a:solidFill>
                 <a:schemeClr val="tx1"/>
               </a:solidFill>
@@ -32164,7 +32199,7 @@
           <a:p>
             <a:pPr algn="ctr" latinLnBrk="1"/>
             <a:r>
-              <a:rPr lang="ko-KR" altLang="en-US" sz="1600" dirty="0">
+              <a:rPr lang="ko-KR" altLang="en-US" sz="1400" dirty="0">
                 <a:solidFill>
                   <a:schemeClr val="tx1"/>
                 </a:solidFill>
@@ -32174,7 +32209,7 @@
               <a:t>개발환경 구축</a:t>
             </a:r>
             <a:r>
-              <a:rPr lang="en-US" altLang="ko-KR" sz="1600" dirty="0">
+              <a:rPr lang="en-US" altLang="ko-KR" sz="1400" dirty="0">
                 <a:solidFill>
                   <a:schemeClr val="tx1"/>
                 </a:solidFill>
@@ -32184,7 +32219,7 @@
               <a:t>,</a:t>
             </a:r>
             <a:r>
-              <a:rPr lang="ko-KR" altLang="en-US" sz="1600" dirty="0">
+              <a:rPr lang="ko-KR" altLang="en-US" sz="1400" dirty="0">
                 <a:solidFill>
                   <a:schemeClr val="tx1"/>
                 </a:solidFill>
@@ -32242,7 +32277,7 @@
           <a:p>
             <a:pPr algn="ctr" latinLnBrk="1"/>
             <a:r>
-              <a:rPr lang="ko-KR" altLang="en-US" sz="1600" dirty="0">
+              <a:rPr lang="ko-KR" altLang="en-US" sz="1400" dirty="0">
                 <a:solidFill>
                   <a:schemeClr val="tx1"/>
                 </a:solidFill>
@@ -32255,7 +32290,7 @@
           <a:p>
             <a:pPr algn="ctr" latinLnBrk="1"/>
             <a:r>
-              <a:rPr lang="ko-KR" altLang="en-US" sz="1600" dirty="0">
+              <a:rPr lang="ko-KR" altLang="en-US" sz="1400" dirty="0">
                 <a:solidFill>
                   <a:schemeClr val="tx1"/>
                 </a:solidFill>
@@ -32313,7 +32348,7 @@
           <a:p>
             <a:pPr algn="ctr" latinLnBrk="1"/>
             <a:r>
-              <a:rPr lang="ko-KR" altLang="en-US" sz="1600" dirty="0">
+              <a:rPr lang="ko-KR" altLang="en-US" sz="1400" dirty="0">
                 <a:solidFill>
                   <a:schemeClr val="tx1"/>
                 </a:solidFill>
@@ -32326,7 +32361,7 @@
           <a:p>
             <a:pPr algn="ctr" latinLnBrk="1"/>
             <a:r>
-              <a:rPr lang="ko-KR" altLang="en-US" sz="1600" dirty="0">
+              <a:rPr lang="ko-KR" altLang="en-US" sz="1400" dirty="0">
                 <a:solidFill>
                   <a:schemeClr val="tx1"/>
                 </a:solidFill>
@@ -32339,7 +32374,7 @@
           <a:p>
             <a:pPr algn="ctr" latinLnBrk="1"/>
             <a:r>
-              <a:rPr lang="ko-KR" altLang="en-US" sz="1600" dirty="0">
+              <a:rPr lang="ko-KR" altLang="en-US" sz="1400" dirty="0">
                 <a:solidFill>
                   <a:schemeClr val="tx1"/>
                 </a:solidFill>
@@ -32397,7 +32432,7 @@
           <a:p>
             <a:pPr algn="ctr" latinLnBrk="1"/>
             <a:r>
-              <a:rPr lang="ko-KR" altLang="en-US" sz="1600" dirty="0" smtClean="0">
+              <a:rPr lang="ko-KR" altLang="en-US" sz="1400" dirty="0" smtClean="0">
                 <a:solidFill>
                   <a:schemeClr val="tx1"/>
                 </a:solidFill>
@@ -32406,7 +32441,7 @@
               </a:rPr>
               <a:t>테스트</a:t>
             </a:r>
-            <a:endParaRPr lang="ko-KR" altLang="en-US" sz="1600" dirty="0">
+            <a:endParaRPr lang="ko-KR" altLang="en-US" sz="1400" dirty="0">
               <a:solidFill>
                 <a:schemeClr val="tx1"/>
               </a:solidFill>
@@ -32462,7 +32497,7 @@
           <a:p>
             <a:pPr algn="ctr" latinLnBrk="1"/>
             <a:r>
-              <a:rPr lang="ko-KR" altLang="en-US" sz="1600" dirty="0">
+              <a:rPr lang="ko-KR" altLang="en-US" sz="1400" dirty="0">
                 <a:solidFill>
                   <a:schemeClr val="tx1"/>
                 </a:solidFill>
@@ -32472,7 +32507,7 @@
               <a:t>수정</a:t>
             </a:r>
             <a:r>
-              <a:rPr lang="en-US" altLang="ko-KR" sz="1600" dirty="0">
+              <a:rPr lang="en-US" altLang="ko-KR" sz="1400" dirty="0">
                 <a:solidFill>
                   <a:schemeClr val="tx1"/>
                 </a:solidFill>
@@ -32482,7 +32517,7 @@
               <a:t>, </a:t>
             </a:r>
             <a:r>
-              <a:rPr lang="ko-KR" altLang="en-US" sz="1600" dirty="0">
+              <a:rPr lang="ko-KR" altLang="en-US" sz="1400" dirty="0">
                 <a:solidFill>
                   <a:schemeClr val="tx1"/>
                 </a:solidFill>
@@ -32539,7 +32574,7 @@
           <a:lstStyle/>
           <a:p>
             <a:pPr algn="ctr" latinLnBrk="1"/>
-            <a:endParaRPr lang="ko-KR" altLang="en-US" sz="1600" dirty="0">
+            <a:endParaRPr lang="ko-KR" altLang="en-US" sz="1400" dirty="0">
               <a:solidFill>
                 <a:schemeClr val="tx1"/>
               </a:solidFill>
@@ -32595,7 +32630,7 @@
           <a:p>
             <a:pPr algn="ctr" latinLnBrk="1"/>
             <a:r>
-              <a:rPr lang="ko-KR" altLang="en-US" sz="1600" dirty="0">
+              <a:rPr lang="ko-KR" altLang="en-US" sz="1400" dirty="0">
                 <a:solidFill>
                   <a:schemeClr val="tx1"/>
                 </a:solidFill>
@@ -32653,7 +32688,7 @@
           <a:p>
             <a:pPr algn="ctr" latinLnBrk="1"/>
             <a:r>
-              <a:rPr lang="ko-KR" altLang="en-US" sz="1600" dirty="0">
+              <a:rPr lang="ko-KR" altLang="en-US" sz="1400" dirty="0">
                 <a:solidFill>
                   <a:schemeClr val="tx1"/>
                 </a:solidFill>
@@ -32666,7 +32701,7 @@
           <a:p>
             <a:pPr algn="ctr" latinLnBrk="1"/>
             <a:r>
-              <a:rPr lang="ko-KR" altLang="en-US" sz="1600" dirty="0">
+              <a:rPr lang="ko-KR" altLang="en-US" sz="1400" dirty="0">
                 <a:solidFill>
                   <a:schemeClr val="tx1"/>
                 </a:solidFill>
@@ -32724,7 +32759,7 @@
           <a:p>
             <a:pPr algn="ctr" latinLnBrk="1"/>
             <a:r>
-              <a:rPr lang="ko-KR" altLang="en-US" sz="1600" dirty="0">
+              <a:rPr lang="ko-KR" altLang="en-US" sz="1400" dirty="0">
                 <a:solidFill>
                   <a:schemeClr val="tx1"/>
                 </a:solidFill>
@@ -32782,7 +32817,7 @@
           <a:p>
             <a:pPr algn="ctr" latinLnBrk="1"/>
             <a:r>
-              <a:rPr lang="ko-KR" altLang="en-US" sz="1600" dirty="0" smtClean="0">
+              <a:rPr lang="ko-KR" altLang="en-US" sz="1400" dirty="0" smtClean="0">
                 <a:solidFill>
                   <a:schemeClr val="tx1"/>
                 </a:solidFill>
@@ -32791,7 +32826,7 @@
               </a:rPr>
               <a:t>코딩</a:t>
             </a:r>
-            <a:endParaRPr lang="ko-KR" altLang="en-US" sz="1600" dirty="0">
+            <a:endParaRPr lang="ko-KR" altLang="en-US" sz="1400" dirty="0">
               <a:solidFill>
                 <a:schemeClr val="tx1"/>
               </a:solidFill>
@@ -32846,7 +32881,7 @@
           <a:lstStyle/>
           <a:p>
             <a:pPr algn="ctr" latinLnBrk="1"/>
-            <a:endParaRPr lang="ko-KR" altLang="en-US" sz="1600" dirty="0">
+            <a:endParaRPr lang="ko-KR" altLang="en-US" sz="1400" dirty="0">
               <a:solidFill>
                 <a:schemeClr val="tx1"/>
               </a:solidFill>
@@ -32901,7 +32936,7 @@
           <a:lstStyle/>
           <a:p>
             <a:pPr algn="ctr" latinLnBrk="1"/>
-            <a:endParaRPr lang="ko-KR" altLang="en-US" sz="1600" dirty="0">
+            <a:endParaRPr lang="ko-KR" altLang="en-US" sz="1400" dirty="0">
               <a:solidFill>
                 <a:schemeClr val="tx1"/>
               </a:solidFill>
@@ -32957,7 +32992,7 @@
           <a:p>
             <a:pPr algn="ctr" latinLnBrk="1"/>
             <a:r>
-              <a:rPr lang="ko-KR" altLang="en-US" sz="1600" dirty="0">
+              <a:rPr lang="ko-KR" altLang="en-US" sz="1400" dirty="0">
                 <a:solidFill>
                   <a:schemeClr val="tx1"/>
                 </a:solidFill>
@@ -32970,7 +33005,7 @@
           <a:p>
             <a:pPr algn="ctr" latinLnBrk="1"/>
             <a:r>
-              <a:rPr lang="ko-KR" altLang="en-US" sz="1600" dirty="0">
+              <a:rPr lang="ko-KR" altLang="en-US" sz="1400" dirty="0">
                 <a:solidFill>
                   <a:schemeClr val="tx1"/>
                 </a:solidFill>
@@ -33028,7 +33063,7 @@
           <a:p>
             <a:pPr algn="ctr" latinLnBrk="1"/>
             <a:r>
-              <a:rPr lang="ko-KR" altLang="en-US" sz="1600" dirty="0" err="1">
+              <a:rPr lang="ko-KR" altLang="en-US" sz="1400" dirty="0" err="1">
                 <a:solidFill>
                   <a:schemeClr val="tx1"/>
                 </a:solidFill>
@@ -33038,7 +33073,7 @@
               <a:t>크롤링</a:t>
             </a:r>
             <a:r>
-              <a:rPr lang="en-US" altLang="ko-KR" sz="1600" dirty="0">
+              <a:rPr lang="en-US" altLang="ko-KR" sz="1400" dirty="0">
                 <a:solidFill>
                   <a:schemeClr val="tx1"/>
                 </a:solidFill>
@@ -33048,7 +33083,7 @@
               <a:t>/</a:t>
             </a:r>
             <a:r>
-              <a:rPr lang="ko-KR" altLang="en-US" sz="1600" dirty="0" err="1">
+              <a:rPr lang="ko-KR" altLang="en-US" sz="1400" dirty="0" err="1">
                 <a:solidFill>
                   <a:schemeClr val="tx1"/>
                 </a:solidFill>
@@ -33057,7 +33092,7 @@
               </a:rPr>
               <a:t>스크래핑</a:t>
             </a:r>
-            <a:endParaRPr lang="ko-KR" altLang="en-US" sz="1600" dirty="0">
+            <a:endParaRPr lang="ko-KR" altLang="en-US" sz="1400" dirty="0">
               <a:solidFill>
                 <a:schemeClr val="tx1"/>
               </a:solidFill>
@@ -33068,7 +33103,7 @@
           <a:p>
             <a:pPr algn="ctr" latinLnBrk="1"/>
             <a:r>
-              <a:rPr lang="ko-KR" altLang="en-US" sz="1600" dirty="0">
+              <a:rPr lang="ko-KR" altLang="en-US" sz="1400" dirty="0">
                 <a:solidFill>
                   <a:schemeClr val="tx1"/>
                 </a:solidFill>
@@ -33126,7 +33161,7 @@
           <a:p>
             <a:pPr algn="ctr" latinLnBrk="1"/>
             <a:r>
-              <a:rPr lang="ko-KR" altLang="en-US" sz="1600" dirty="0" err="1">
+              <a:rPr lang="ko-KR" altLang="en-US" sz="1400" dirty="0" err="1">
                 <a:solidFill>
                   <a:schemeClr val="tx1"/>
                 </a:solidFill>
@@ -33136,7 +33171,7 @@
               <a:t>크롤링</a:t>
             </a:r>
             <a:r>
-              <a:rPr lang="en-US" altLang="ko-KR" sz="1600" dirty="0">
+              <a:rPr lang="en-US" altLang="ko-KR" sz="1400" dirty="0">
                 <a:solidFill>
                   <a:schemeClr val="tx1"/>
                 </a:solidFill>
@@ -33146,7 +33181,7 @@
               <a:t>/</a:t>
             </a:r>
             <a:r>
-              <a:rPr lang="ko-KR" altLang="en-US" sz="1600" dirty="0" err="1">
+              <a:rPr lang="ko-KR" altLang="en-US" sz="1400" dirty="0" err="1">
                 <a:solidFill>
                   <a:schemeClr val="tx1"/>
                 </a:solidFill>
@@ -33155,7 +33190,7 @@
               </a:rPr>
               <a:t>스크래핑</a:t>
             </a:r>
-            <a:endParaRPr lang="ko-KR" altLang="en-US" sz="1600" dirty="0">
+            <a:endParaRPr lang="ko-KR" altLang="en-US" sz="1400" dirty="0">
               <a:solidFill>
                 <a:schemeClr val="tx1"/>
               </a:solidFill>
@@ -33166,7 +33201,7 @@
           <a:p>
             <a:pPr algn="ctr" latinLnBrk="1"/>
             <a:r>
-              <a:rPr lang="ko-KR" altLang="en-US" sz="1600" dirty="0">
+              <a:rPr lang="ko-KR" altLang="en-US" sz="1400" dirty="0">
                 <a:solidFill>
                   <a:schemeClr val="tx1"/>
                 </a:solidFill>
@@ -33224,7 +33259,7 @@
           <a:p>
             <a:pPr algn="ctr" latinLnBrk="1"/>
             <a:r>
-              <a:rPr lang="ko-KR" altLang="en-US" sz="1600" dirty="0" smtClean="0">
+              <a:rPr lang="ko-KR" altLang="en-US" sz="1400" dirty="0" smtClean="0">
                 <a:solidFill>
                   <a:schemeClr val="tx1"/>
                 </a:solidFill>
@@ -33233,7 +33268,7 @@
               </a:rPr>
               <a:t>테스트</a:t>
             </a:r>
-            <a:endParaRPr lang="ko-KR" altLang="en-US" sz="1600" dirty="0">
+            <a:endParaRPr lang="ko-KR" altLang="en-US" sz="1400" dirty="0">
               <a:solidFill>
                 <a:schemeClr val="tx1"/>
               </a:solidFill>
@@ -33288,7 +33323,7 @@
           <a:lstStyle/>
           <a:p>
             <a:pPr algn="ctr" latinLnBrk="1"/>
-            <a:endParaRPr lang="ko-KR" altLang="en-US" sz="1600" dirty="0">
+            <a:endParaRPr lang="ko-KR" altLang="en-US" sz="1400" dirty="0">
               <a:solidFill>
                 <a:schemeClr val="tx1"/>
               </a:solidFill>
@@ -33432,7 +33467,7 @@
         <p:spPr>
           <a:xfrm>
             <a:off x="2768986" y="2389240"/>
-            <a:ext cx="6314964" cy="1270172"/>
+            <a:ext cx="9015664" cy="1270172"/>
           </a:xfrm>
           <a:prstGeom prst="rect">
             <a:avLst/>
@@ -33607,6 +33642,20 @@
           <a:p>
             <a:pPr lvl="1"/>
             <a:r>
+              <a:rPr lang="ko-KR" altLang="en-US" sz="2000" dirty="0" smtClean="0">
+                <a:latin typeface="나눔스퀘어" panose="020B0600000101010101" pitchFamily="50" charset="-127"/>
+                <a:ea typeface="나눔스퀘어" panose="020B0600000101010101" pitchFamily="50" charset="-127"/>
+              </a:rPr>
+              <a:t>데이터 수집 </a:t>
+            </a:r>
+            <a:r>
+              <a:rPr lang="en-US" altLang="ko-KR" sz="2000" dirty="0" smtClean="0">
+                <a:latin typeface="나눔스퀘어" panose="020B0600000101010101" pitchFamily="50" charset="-127"/>
+                <a:ea typeface="나눔스퀘어" panose="020B0600000101010101" pitchFamily="50" charset="-127"/>
+              </a:rPr>
+              <a:t>: </a:t>
+            </a:r>
+            <a:r>
               <a:rPr lang="ko-KR" altLang="en-US" sz="2000" dirty="0" err="1" smtClean="0">
                 <a:latin typeface="나눔스퀘어" panose="020B0600000101010101" pitchFamily="50" charset="-127"/>
                 <a:ea typeface="나눔스퀘어" panose="020B0600000101010101" pitchFamily="50" charset="-127"/>
@@ -33614,19 +33663,33 @@
               <a:t>아이돌차트</a:t>
             </a:r>
             <a:r>
+              <a:rPr lang="ko-KR" altLang="en-US" sz="2000" dirty="0">
+                <a:latin typeface="나눔스퀘어" panose="020B0600000101010101" pitchFamily="50" charset="-127"/>
+                <a:ea typeface="나눔스퀘어" panose="020B0600000101010101" pitchFamily="50" charset="-127"/>
+              </a:rPr>
+              <a:t> </a:t>
+            </a:r>
+            <a:r>
               <a:rPr lang="ko-KR" altLang="en-US" sz="2000" dirty="0" smtClean="0">
                 <a:latin typeface="나눔스퀘어" panose="020B0600000101010101" pitchFamily="50" charset="-127"/>
                 <a:ea typeface="나눔스퀘어" panose="020B0600000101010101" pitchFamily="50" charset="-127"/>
               </a:rPr>
-              <a:t> 랭킹 데이터 수집 및 활용</a:t>
-            </a:r>
-            <a:endParaRPr lang="en-US" altLang="ko-KR" sz="2000" dirty="0" smtClean="0">
-              <a:latin typeface="나눔스퀘어" panose="020B0600000101010101" pitchFamily="50" charset="-127"/>
-              <a:ea typeface="나눔스퀘어" panose="020B0600000101010101" pitchFamily="50" charset="-127"/>
-            </a:endParaRPr>
-          </a:p>
-          <a:p>
-            <a:pPr lvl="1"/>
+              <a:t>월간 </a:t>
+            </a:r>
+            <a:r>
+              <a:rPr lang="ko-KR" altLang="en-US" sz="2000" dirty="0" smtClean="0">
+                <a:latin typeface="나눔스퀘어" panose="020B0600000101010101" pitchFamily="50" charset="-127"/>
+                <a:ea typeface="나눔스퀘어" panose="020B0600000101010101" pitchFamily="50" charset="-127"/>
+              </a:rPr>
+              <a:t>랭킹 데이터</a:t>
+            </a:r>
+            <a:r>
+              <a:rPr lang="en-US" altLang="ko-KR" sz="2000" dirty="0" smtClean="0">
+                <a:latin typeface="나눔스퀘어" panose="020B0600000101010101" pitchFamily="50" charset="-127"/>
+                <a:ea typeface="나눔스퀘어" panose="020B0600000101010101" pitchFamily="50" charset="-127"/>
+              </a:rPr>
+              <a:t>, </a:t>
+            </a:r>
             <a:r>
               <a:rPr lang="ko-KR" altLang="en-US" sz="2000" dirty="0" smtClean="0">
                 <a:latin typeface="나눔스퀘어" panose="020B0600000101010101" pitchFamily="50" charset="-127"/>
@@ -33635,18 +33698,81 @@
               <a:t>네이버 </a:t>
             </a:r>
             <a:r>
+              <a:rPr lang="en-US" altLang="ko-KR" sz="2000" dirty="0">
+                <a:latin typeface="나눔스퀘어" panose="020B0600000101010101" pitchFamily="50" charset="-127"/>
+                <a:ea typeface="나눔스퀘어" panose="020B0600000101010101" pitchFamily="50" charset="-127"/>
+              </a:rPr>
+              <a:t>API </a:t>
+            </a:r>
+            <a:r>
+              <a:rPr lang="ko-KR" altLang="en-US" sz="2000" dirty="0">
+                <a:latin typeface="나눔스퀘어" panose="020B0600000101010101" pitchFamily="50" charset="-127"/>
+                <a:ea typeface="나눔스퀘어" panose="020B0600000101010101" pitchFamily="50" charset="-127"/>
+              </a:rPr>
+              <a:t>검색 </a:t>
+            </a:r>
+            <a:r>
+              <a:rPr lang="ko-KR" altLang="en-US" sz="2000" dirty="0" smtClean="0">
+                <a:latin typeface="나눔스퀘어" panose="020B0600000101010101" pitchFamily="50" charset="-127"/>
+                <a:ea typeface="나눔스퀘어" panose="020B0600000101010101" pitchFamily="50" charset="-127"/>
+              </a:rPr>
+              <a:t>데이터</a:t>
+            </a:r>
+            <a:endParaRPr lang="en-US" altLang="ko-KR" sz="2000" dirty="0">
+              <a:latin typeface="나눔스퀘어" panose="020B0600000101010101" pitchFamily="50" charset="-127"/>
+              <a:ea typeface="나눔스퀘어" panose="020B0600000101010101" pitchFamily="50" charset="-127"/>
+            </a:endParaRPr>
+          </a:p>
+          <a:p>
+            <a:pPr lvl="1"/>
+            <a:r>
+              <a:rPr lang="ko-KR" altLang="en-US" sz="2000" dirty="0" err="1" smtClean="0">
+                <a:latin typeface="나눔스퀘어" panose="020B0600000101010101" pitchFamily="50" charset="-127"/>
+                <a:ea typeface="나눔스퀘어" panose="020B0600000101010101" pitchFamily="50" charset="-127"/>
+              </a:rPr>
+              <a:t>웹스크래핑</a:t>
+            </a:r>
+            <a:r>
+              <a:rPr lang="ko-KR" altLang="en-US" sz="2000" dirty="0" smtClean="0">
+                <a:latin typeface="나눔스퀘어" panose="020B0600000101010101" pitchFamily="50" charset="-127"/>
+                <a:ea typeface="나눔스퀘어" panose="020B0600000101010101" pitchFamily="50" charset="-127"/>
+              </a:rPr>
+              <a:t> </a:t>
+            </a:r>
+            <a:r>
               <a:rPr lang="en-US" altLang="ko-KR" sz="2000" dirty="0" smtClean="0">
                 <a:latin typeface="나눔스퀘어" panose="020B0600000101010101" pitchFamily="50" charset="-127"/>
                 <a:ea typeface="나눔스퀘어" panose="020B0600000101010101" pitchFamily="50" charset="-127"/>
               </a:rPr>
-              <a:t>API </a:t>
+              <a:t>: </a:t>
+            </a:r>
+            <a:r>
+              <a:rPr lang="en-US" altLang="ko-KR" sz="2000" dirty="0" err="1" smtClean="0">
+                <a:latin typeface="나눔스퀘어" panose="020B0600000101010101" pitchFamily="50" charset="-127"/>
+                <a:ea typeface="나눔스퀘어" panose="020B0600000101010101" pitchFamily="50" charset="-127"/>
+              </a:rPr>
+              <a:t>Ddos</a:t>
+            </a:r>
+            <a:r>
+              <a:rPr lang="en-US" altLang="ko-KR" sz="2000" dirty="0" smtClean="0">
+                <a:latin typeface="나눔스퀘어" panose="020B0600000101010101" pitchFamily="50" charset="-127"/>
+                <a:ea typeface="나눔스퀘어" panose="020B0600000101010101" pitchFamily="50" charset="-127"/>
+              </a:rPr>
+              <a:t> Protection </a:t>
             </a:r>
             <a:r>
               <a:rPr lang="ko-KR" altLang="en-US" sz="2000" dirty="0" smtClean="0">
                 <a:latin typeface="나눔스퀘어" panose="020B0600000101010101" pitchFamily="50" charset="-127"/>
                 <a:ea typeface="나눔스퀘어" panose="020B0600000101010101" pitchFamily="50" charset="-127"/>
               </a:rPr>
-              <a:t>검색 데이터 수집 및 활용</a:t>
+              <a:t>회피를 위한 </a:t>
+            </a:r>
+            <a:r>
+              <a:rPr lang="en-US" altLang="ko-KR" sz="2000" dirty="0" smtClean="0">
+                <a:latin typeface="나눔스퀘어" panose="020B0600000101010101" pitchFamily="50" charset="-127"/>
+                <a:ea typeface="나눔스퀘어" panose="020B0600000101010101" pitchFamily="50" charset="-127"/>
+              </a:rPr>
+              <a:t>Selenium for Chrome</a:t>
             </a:r>
             <a:endParaRPr lang="en-US" altLang="ko-KR" sz="2000" dirty="0" smtClean="0">
               <a:latin typeface="나눔스퀘어" panose="020B0600000101010101" pitchFamily="50" charset="-127"/>
@@ -33660,7 +33786,14 @@
                 <a:latin typeface="나눔스퀘어" panose="020B0600000101010101" pitchFamily="50" charset="-127"/>
                 <a:ea typeface="나눔스퀘어" panose="020B0600000101010101" pitchFamily="50" charset="-127"/>
               </a:rPr>
-              <a:t>DB : MySQL</a:t>
+              <a:t>DB </a:t>
+            </a:r>
+            <a:r>
+              <a:rPr lang="en-US" altLang="ko-KR" sz="2000" dirty="0" smtClean="0">
+                <a:latin typeface="나눔스퀘어" panose="020B0600000101010101" pitchFamily="50" charset="-127"/>
+                <a:ea typeface="나눔스퀘어" panose="020B0600000101010101" pitchFamily="50" charset="-127"/>
+              </a:rPr>
+              <a:t>: MySQL</a:t>
             </a:r>
           </a:p>
           <a:p>
@@ -33685,78 +33818,6 @@
           </a:p>
         </p:txBody>
       </p:sp>
-      <p:pic>
-        <p:nvPicPr>
-          <p:cNvPr id="3" name="그림 2"/>
-          <p:cNvPicPr>
-            <a:picLocks noChangeAspect="1"/>
-          </p:cNvPicPr>
-          <p:nvPr/>
-        </p:nvPicPr>
-        <p:blipFill>
-          <a:blip r:embed="rId2"/>
-          <a:stretch>
-            <a:fillRect/>
-          </a:stretch>
-        </p:blipFill>
-        <p:spPr>
-          <a:xfrm>
-            <a:off x="3600871" y="3921040"/>
-            <a:ext cx="2505425" cy="933580"/>
-          </a:xfrm>
-          <a:prstGeom prst="rect">
-            <a:avLst/>
-          </a:prstGeom>
-        </p:spPr>
-      </p:pic>
-      <p:pic>
-        <p:nvPicPr>
-          <p:cNvPr id="5" name="그림 4"/>
-          <p:cNvPicPr>
-            <a:picLocks noChangeAspect="1"/>
-          </p:cNvPicPr>
-          <p:nvPr/>
-        </p:nvPicPr>
-        <p:blipFill>
-          <a:blip r:embed="rId3"/>
-          <a:stretch>
-            <a:fillRect/>
-          </a:stretch>
-        </p:blipFill>
-        <p:spPr>
-          <a:xfrm>
-            <a:off x="6348048" y="3622980"/>
-            <a:ext cx="4961546" cy="2854420"/>
-          </a:xfrm>
-          <a:prstGeom prst="rect">
-            <a:avLst/>
-          </a:prstGeom>
-        </p:spPr>
-      </p:pic>
-      <p:pic>
-        <p:nvPicPr>
-          <p:cNvPr id="6" name="그림 5"/>
-          <p:cNvPicPr>
-            <a:picLocks noChangeAspect="1"/>
-          </p:cNvPicPr>
-          <p:nvPr/>
-        </p:nvPicPr>
-        <p:blipFill>
-          <a:blip r:embed="rId4"/>
-          <a:stretch>
-            <a:fillRect/>
-          </a:stretch>
-        </p:blipFill>
-        <p:spPr>
-          <a:xfrm>
-            <a:off x="3724714" y="4955878"/>
-            <a:ext cx="2257740" cy="1228896"/>
-          </a:xfrm>
-          <a:prstGeom prst="rect">
-            <a:avLst/>
-          </a:prstGeom>
-        </p:spPr>
-      </p:pic>
       <p:sp>
         <p:nvSpPr>
           <p:cNvPr id="10" name="직사각형 9"/>
@@ -34178,7 +34239,7 @@
           <a:effectLst/>
           <a:extLst>
             <a:ext uri="{91240B29-F687-4f45-9708-019B960494DF}">
-              <a14:hiddenLine xmlns:a14="http://schemas.microsoft.com/office/drawing/2010/main" xmlns="" w="9525" cap="flat">
+              <a14:hiddenLine xmlns="" xmlns:a14="http://schemas.microsoft.com/office/drawing/2010/main" w="9525" cap="flat">
                 <a:solidFill>
                   <a:srgbClr val="808080"/>
                 </a:solidFill>
@@ -34188,7 +34249,7 @@
               </a14:hiddenLine>
             </a:ext>
             <a:ext uri="{AF507438-7753-43e0-B8FC-AC1667EBCBE1}">
-              <a14:hiddenEffects xmlns:a14="http://schemas.microsoft.com/office/drawing/2010/main" xmlns="">
+              <a14:hiddenEffects xmlns="" xmlns:a14="http://schemas.microsoft.com/office/drawing/2010/main">
                 <a:effectLst>
                   <a:outerShdw blurRad="63500" dist="38099" dir="2700000" algn="ctr" rotWithShape="0">
                     <a:srgbClr val="000000">
@@ -34208,6 +34269,66 @@
           </a:p>
         </p:txBody>
       </p:sp>
+      <p:pic>
+        <p:nvPicPr>
+          <p:cNvPr id="7" name="그림 6"/>
+          <p:cNvPicPr>
+            <a:picLocks noChangeAspect="1"/>
+          </p:cNvPicPr>
+          <p:nvPr/>
+        </p:nvPicPr>
+        <p:blipFill>
+          <a:blip r:embed="rId2">
+            <a:extLst>
+              <a:ext uri="{28A0092B-C50C-407E-A947-70E740481C1C}">
+                <a14:useLocalDpi xmlns:a14="http://schemas.microsoft.com/office/drawing/2010/main" val="0"/>
+              </a:ext>
+            </a:extLst>
+          </a:blip>
+          <a:stretch>
+            <a:fillRect/>
+          </a:stretch>
+        </p:blipFill>
+        <p:spPr>
+          <a:xfrm>
+            <a:off x="3582464" y="4039871"/>
+            <a:ext cx="2440378" cy="875418"/>
+          </a:xfrm>
+          <a:prstGeom prst="rect">
+            <a:avLst/>
+          </a:prstGeom>
+        </p:spPr>
+      </p:pic>
+      <p:pic>
+        <p:nvPicPr>
+          <p:cNvPr id="13" name="그림 12"/>
+          <p:cNvPicPr>
+            <a:picLocks noChangeAspect="1"/>
+          </p:cNvPicPr>
+          <p:nvPr/>
+        </p:nvPicPr>
+        <p:blipFill>
+          <a:blip r:embed="rId3">
+            <a:extLst>
+              <a:ext uri="{28A0092B-C50C-407E-A947-70E740481C1C}">
+                <a14:useLocalDpi xmlns:a14="http://schemas.microsoft.com/office/drawing/2010/main" val="0"/>
+              </a:ext>
+            </a:extLst>
+          </a:blip>
+          <a:stretch>
+            <a:fillRect/>
+          </a:stretch>
+        </p:blipFill>
+        <p:spPr>
+          <a:xfrm>
+            <a:off x="7698162" y="3827478"/>
+            <a:ext cx="2069680" cy="1068008"/>
+          </a:xfrm>
+          <a:prstGeom prst="rect">
+            <a:avLst/>
+          </a:prstGeom>
+        </p:spPr>
+      </p:pic>
     </p:spTree>
     <p:extLst>
       <p:ext uri="{BB962C8B-B14F-4D97-AF65-F5344CB8AC3E}">
@@ -34504,8 +34625,8 @@
         </p:blipFill>
         <p:spPr>
           <a:xfrm>
-            <a:off x="7465113" y="3861556"/>
-            <a:ext cx="3568581" cy="1034889"/>
+            <a:off x="7695849" y="4610401"/>
+            <a:ext cx="3020577" cy="875968"/>
           </a:xfrm>
           <a:prstGeom prst="rect">
             <a:avLst/>
@@ -34534,8 +34655,8 @@
         </p:blipFill>
         <p:spPr>
           <a:xfrm>
-            <a:off x="3170853" y="2970017"/>
-            <a:ext cx="2949722" cy="2458102"/>
+            <a:off x="3847039" y="3877874"/>
+            <a:ext cx="2496752" cy="2080627"/>
           </a:xfrm>
           <a:prstGeom prst="rect">
             <a:avLst/>
@@ -35392,6 +35513,323 @@
           </a:p>
         </p:txBody>
       </p:sp>
+      <p:sp>
+        <p:nvSpPr>
+          <p:cNvPr id="12" name="내용 개체 틀 2"/>
+          <p:cNvSpPr txBox="1">
+            <a:spLocks/>
+          </p:cNvSpPr>
+          <p:nvPr/>
+        </p:nvSpPr>
+        <p:spPr>
+          <a:xfrm>
+            <a:off x="2768985" y="2389240"/>
+            <a:ext cx="9075485" cy="929278"/>
+          </a:xfrm>
+          <a:prstGeom prst="rect">
+            <a:avLst/>
+          </a:prstGeom>
+        </p:spPr>
+        <p:txBody>
+          <a:bodyPr/>
+          <a:lstStyle>
+            <a:lvl1pPr marL="228600" indent="-228600" algn="l" defTabSz="914400" rtl="0" eaLnBrk="1" latinLnBrk="0" hangingPunct="1">
+              <a:lnSpc>
+                <a:spcPct val="90000"/>
+              </a:lnSpc>
+              <a:spcBef>
+                <a:spcPts val="1000"/>
+              </a:spcBef>
+              <a:buFont typeface="Arial" panose="020B0604020202020204" pitchFamily="34" charset="0"/>
+              <a:buChar char="•"/>
+              <a:defRPr sz="2800" kern="1200">
+                <a:solidFill>
+                  <a:schemeClr val="tx1"/>
+                </a:solidFill>
+                <a:latin typeface="+mn-lt"/>
+                <a:ea typeface="+mn-ea"/>
+                <a:cs typeface="+mn-cs"/>
+              </a:defRPr>
+            </a:lvl1pPr>
+            <a:lvl2pPr marL="685800" indent="-228600" algn="l" defTabSz="914400" rtl="0" eaLnBrk="1" latinLnBrk="0" hangingPunct="1">
+              <a:lnSpc>
+                <a:spcPct val="90000"/>
+              </a:lnSpc>
+              <a:spcBef>
+                <a:spcPts val="500"/>
+              </a:spcBef>
+              <a:buFont typeface="Arial" panose="020B0604020202020204" pitchFamily="34" charset="0"/>
+              <a:buChar char="•"/>
+              <a:defRPr sz="2400" kern="1200">
+                <a:solidFill>
+                  <a:schemeClr val="tx1"/>
+                </a:solidFill>
+                <a:latin typeface="+mn-lt"/>
+                <a:ea typeface="+mn-ea"/>
+                <a:cs typeface="+mn-cs"/>
+              </a:defRPr>
+            </a:lvl2pPr>
+            <a:lvl3pPr marL="1143000" indent="-228600" algn="l" defTabSz="914400" rtl="0" eaLnBrk="1" latinLnBrk="0" hangingPunct="1">
+              <a:lnSpc>
+                <a:spcPct val="90000"/>
+              </a:lnSpc>
+              <a:spcBef>
+                <a:spcPts val="500"/>
+              </a:spcBef>
+              <a:buFont typeface="Arial" panose="020B0604020202020204" pitchFamily="34" charset="0"/>
+              <a:buChar char="•"/>
+              <a:defRPr sz="2000" kern="1200">
+                <a:solidFill>
+                  <a:schemeClr val="tx1"/>
+                </a:solidFill>
+                <a:latin typeface="+mn-lt"/>
+                <a:ea typeface="+mn-ea"/>
+                <a:cs typeface="+mn-cs"/>
+              </a:defRPr>
+            </a:lvl3pPr>
+            <a:lvl4pPr marL="1600200" indent="-228600" algn="l" defTabSz="914400" rtl="0" eaLnBrk="1" latinLnBrk="0" hangingPunct="1">
+              <a:lnSpc>
+                <a:spcPct val="90000"/>
+              </a:lnSpc>
+              <a:spcBef>
+                <a:spcPts val="500"/>
+              </a:spcBef>
+              <a:buFont typeface="Arial" panose="020B0604020202020204" pitchFamily="34" charset="0"/>
+              <a:buChar char="•"/>
+              <a:defRPr sz="1800" kern="1200">
+                <a:solidFill>
+                  <a:schemeClr val="tx1"/>
+                </a:solidFill>
+                <a:latin typeface="+mn-lt"/>
+                <a:ea typeface="+mn-ea"/>
+                <a:cs typeface="+mn-cs"/>
+              </a:defRPr>
+            </a:lvl4pPr>
+            <a:lvl5pPr marL="2057400" indent="-228600" algn="l" defTabSz="914400" rtl="0" eaLnBrk="1" latinLnBrk="0" hangingPunct="1">
+              <a:lnSpc>
+                <a:spcPct val="90000"/>
+              </a:lnSpc>
+              <a:spcBef>
+                <a:spcPts val="500"/>
+              </a:spcBef>
+              <a:buFont typeface="Arial" panose="020B0604020202020204" pitchFamily="34" charset="0"/>
+              <a:buChar char="•"/>
+              <a:defRPr sz="1800" kern="1200">
+                <a:solidFill>
+                  <a:schemeClr val="tx1"/>
+                </a:solidFill>
+                <a:latin typeface="+mn-lt"/>
+                <a:ea typeface="+mn-ea"/>
+                <a:cs typeface="+mn-cs"/>
+              </a:defRPr>
+            </a:lvl5pPr>
+            <a:lvl6pPr marL="2514600" indent="-228600" algn="l" defTabSz="914400" rtl="0" eaLnBrk="1" latinLnBrk="0" hangingPunct="1">
+              <a:lnSpc>
+                <a:spcPct val="90000"/>
+              </a:lnSpc>
+              <a:spcBef>
+                <a:spcPts val="500"/>
+              </a:spcBef>
+              <a:buFont typeface="Arial" panose="020B0604020202020204" pitchFamily="34" charset="0"/>
+              <a:buChar char="•"/>
+              <a:defRPr sz="1800" kern="1200">
+                <a:solidFill>
+                  <a:schemeClr val="tx1"/>
+                </a:solidFill>
+                <a:latin typeface="+mn-lt"/>
+                <a:ea typeface="+mn-ea"/>
+                <a:cs typeface="+mn-cs"/>
+              </a:defRPr>
+            </a:lvl6pPr>
+            <a:lvl7pPr marL="2971800" indent="-228600" algn="l" defTabSz="914400" rtl="0" eaLnBrk="1" latinLnBrk="0" hangingPunct="1">
+              <a:lnSpc>
+                <a:spcPct val="90000"/>
+              </a:lnSpc>
+              <a:spcBef>
+                <a:spcPts val="500"/>
+              </a:spcBef>
+              <a:buFont typeface="Arial" panose="020B0604020202020204" pitchFamily="34" charset="0"/>
+              <a:buChar char="•"/>
+              <a:defRPr sz="1800" kern="1200">
+                <a:solidFill>
+                  <a:schemeClr val="tx1"/>
+                </a:solidFill>
+                <a:latin typeface="+mn-lt"/>
+                <a:ea typeface="+mn-ea"/>
+                <a:cs typeface="+mn-cs"/>
+              </a:defRPr>
+            </a:lvl7pPr>
+            <a:lvl8pPr marL="3429000" indent="-228600" algn="l" defTabSz="914400" rtl="0" eaLnBrk="1" latinLnBrk="0" hangingPunct="1">
+              <a:lnSpc>
+                <a:spcPct val="90000"/>
+              </a:lnSpc>
+              <a:spcBef>
+                <a:spcPts val="500"/>
+              </a:spcBef>
+              <a:buFont typeface="Arial" panose="020B0604020202020204" pitchFamily="34" charset="0"/>
+              <a:buChar char="•"/>
+              <a:defRPr sz="1800" kern="1200">
+                <a:solidFill>
+                  <a:schemeClr val="tx1"/>
+                </a:solidFill>
+                <a:latin typeface="+mn-lt"/>
+                <a:ea typeface="+mn-ea"/>
+                <a:cs typeface="+mn-cs"/>
+              </a:defRPr>
+            </a:lvl8pPr>
+            <a:lvl9pPr marL="3886200" indent="-228600" algn="l" defTabSz="914400" rtl="0" eaLnBrk="1" latinLnBrk="0" hangingPunct="1">
+              <a:lnSpc>
+                <a:spcPct val="90000"/>
+              </a:lnSpc>
+              <a:spcBef>
+                <a:spcPts val="500"/>
+              </a:spcBef>
+              <a:buFont typeface="Arial" panose="020B0604020202020204" pitchFamily="34" charset="0"/>
+              <a:buChar char="•"/>
+              <a:defRPr sz="1800" kern="1200">
+                <a:solidFill>
+                  <a:schemeClr val="tx1"/>
+                </a:solidFill>
+                <a:latin typeface="+mn-lt"/>
+                <a:ea typeface="+mn-ea"/>
+                <a:cs typeface="+mn-cs"/>
+              </a:defRPr>
+            </a:lvl9pPr>
+          </a:lstStyle>
+          <a:p>
+            <a:pPr lvl="1"/>
+            <a:r>
+              <a:rPr lang="en-US" altLang="ko-KR" sz="2000" dirty="0" err="1" smtClean="0">
+                <a:latin typeface="나눔스퀘어" panose="020B0600000101010101" pitchFamily="50" charset="-127"/>
+                <a:ea typeface="나눔스퀘어" panose="020B0600000101010101" pitchFamily="50" charset="-127"/>
+              </a:rPr>
+              <a:t>TensorFlow</a:t>
+            </a:r>
+            <a:r>
+              <a:rPr lang="en-US" altLang="ko-KR" sz="2000" dirty="0" smtClean="0">
+                <a:latin typeface="나눔스퀘어" panose="020B0600000101010101" pitchFamily="50" charset="-127"/>
+                <a:ea typeface="나눔스퀘어" panose="020B0600000101010101" pitchFamily="50" charset="-127"/>
+              </a:rPr>
+              <a:t>, </a:t>
+            </a:r>
+            <a:r>
+              <a:rPr lang="en-US" altLang="ko-KR" sz="2000" dirty="0" err="1" smtClean="0">
+                <a:latin typeface="나눔스퀘어" panose="020B0600000101010101" pitchFamily="50" charset="-127"/>
+                <a:ea typeface="나눔스퀘어" panose="020B0600000101010101" pitchFamily="50" charset="-127"/>
+              </a:rPr>
+              <a:t>Keras</a:t>
+            </a:r>
+            <a:r>
+              <a:rPr lang="ko-KR" altLang="en-US" sz="2000" dirty="0" smtClean="0">
+                <a:latin typeface="나눔스퀘어" panose="020B0600000101010101" pitchFamily="50" charset="-127"/>
+                <a:ea typeface="나눔스퀘어" panose="020B0600000101010101" pitchFamily="50" charset="-127"/>
+              </a:rPr>
+              <a:t> </a:t>
+            </a:r>
+            <a:r>
+              <a:rPr lang="en-US" altLang="ko-KR" sz="2000" dirty="0" smtClean="0">
+                <a:latin typeface="나눔스퀘어" panose="020B0600000101010101" pitchFamily="50" charset="-127"/>
+                <a:ea typeface="나눔스퀘어" panose="020B0600000101010101" pitchFamily="50" charset="-127"/>
+              </a:rPr>
+              <a:t>: </a:t>
+            </a:r>
+            <a:r>
+              <a:rPr lang="ko-KR" altLang="en-US" sz="2000" dirty="0" err="1" smtClean="0">
+                <a:latin typeface="나눔스퀘어" panose="020B0600000101010101" pitchFamily="50" charset="-127"/>
+                <a:ea typeface="나눔스퀘어" panose="020B0600000101010101" pitchFamily="50" charset="-127"/>
+              </a:rPr>
+              <a:t>딥러닝</a:t>
+            </a:r>
+            <a:r>
+              <a:rPr lang="ko-KR" altLang="en-US" sz="2000" dirty="0" smtClean="0">
+                <a:latin typeface="나눔스퀘어" panose="020B0600000101010101" pitchFamily="50" charset="-127"/>
+                <a:ea typeface="나눔스퀘어" panose="020B0600000101010101" pitchFamily="50" charset="-127"/>
+              </a:rPr>
+              <a:t> 구현</a:t>
+            </a:r>
+            <a:endParaRPr lang="en-US" altLang="ko-KR" sz="2000" dirty="0" smtClean="0">
+              <a:latin typeface="나눔스퀘어" panose="020B0600000101010101" pitchFamily="50" charset="-127"/>
+              <a:ea typeface="나눔스퀘어" panose="020B0600000101010101" pitchFamily="50" charset="-127"/>
+            </a:endParaRPr>
+          </a:p>
+          <a:p>
+            <a:pPr lvl="1"/>
+            <a:r>
+              <a:rPr lang="ko-KR" altLang="en-US" sz="2000" dirty="0" smtClean="0">
+                <a:latin typeface="나눔스퀘어" panose="020B0600000101010101" pitchFamily="50" charset="-127"/>
+                <a:ea typeface="나눔스퀘어" panose="020B0600000101010101" pitchFamily="50" charset="-127"/>
+              </a:rPr>
+              <a:t>모델링 </a:t>
+            </a:r>
+            <a:r>
+              <a:rPr lang="en-US" altLang="ko-KR" sz="2000" dirty="0" smtClean="0">
+                <a:latin typeface="나눔스퀘어" panose="020B0600000101010101" pitchFamily="50" charset="-127"/>
+                <a:ea typeface="나눔스퀘어" panose="020B0600000101010101" pitchFamily="50" charset="-127"/>
+              </a:rPr>
+              <a:t>: </a:t>
+            </a:r>
+            <a:r>
+              <a:rPr lang="ko-KR" altLang="en-US" sz="2000" dirty="0" smtClean="0">
+                <a:latin typeface="나눔스퀘어" panose="020B0600000101010101" pitchFamily="50" charset="-127"/>
+                <a:ea typeface="나눔스퀘어" panose="020B0600000101010101" pitchFamily="50" charset="-127"/>
+              </a:rPr>
+              <a:t>복수의 </a:t>
+            </a:r>
+            <a:r>
+              <a:rPr lang="ko-KR" altLang="en-US" sz="2000" dirty="0" err="1" smtClean="0">
+                <a:latin typeface="나눔스퀘어" panose="020B0600000101010101" pitchFamily="50" charset="-127"/>
+                <a:ea typeface="나눔스퀘어" panose="020B0600000101010101" pitchFamily="50" charset="-127"/>
+              </a:rPr>
+              <a:t>팩터를</a:t>
+            </a:r>
+            <a:r>
+              <a:rPr lang="ko-KR" altLang="en-US" sz="2000" dirty="0" smtClean="0">
+                <a:latin typeface="나눔스퀘어" panose="020B0600000101010101" pitchFamily="50" charset="-127"/>
+                <a:ea typeface="나눔스퀘어" panose="020B0600000101010101" pitchFamily="50" charset="-127"/>
+              </a:rPr>
+              <a:t> 사용해 </a:t>
+            </a:r>
+            <a:r>
+              <a:rPr lang="en-US" altLang="ko-KR" sz="2000" dirty="0">
+                <a:latin typeface="나눔스퀘어" panose="020B0600000101010101" pitchFamily="50" charset="-127"/>
+                <a:ea typeface="나눔스퀘어" panose="020B0600000101010101" pitchFamily="50" charset="-127"/>
+              </a:rPr>
+              <a:t>LSTM </a:t>
+            </a:r>
+            <a:r>
+              <a:rPr lang="en-US" altLang="ko-KR" sz="2000" dirty="0" smtClean="0">
+                <a:latin typeface="나눔스퀘어" panose="020B0600000101010101" pitchFamily="50" charset="-127"/>
+                <a:ea typeface="나눔스퀘어" panose="020B0600000101010101" pitchFamily="50" charset="-127"/>
+              </a:rPr>
+              <a:t>ensemble </a:t>
+            </a:r>
+            <a:r>
+              <a:rPr lang="ko-KR" altLang="en-US" sz="2000" dirty="0" smtClean="0">
+                <a:latin typeface="나눔스퀘어" panose="020B0600000101010101" pitchFamily="50" charset="-127"/>
+                <a:ea typeface="나눔스퀘어" panose="020B0600000101010101" pitchFamily="50" charset="-127"/>
+              </a:rPr>
+              <a:t>모델 구성</a:t>
+            </a:r>
+            <a:endParaRPr lang="en-US" altLang="ko-KR" sz="2000" dirty="0" smtClean="0">
+              <a:latin typeface="나눔스퀘어" panose="020B0600000101010101" pitchFamily="50" charset="-127"/>
+              <a:ea typeface="나눔스퀘어" panose="020B0600000101010101" pitchFamily="50" charset="-127"/>
+            </a:endParaRPr>
+          </a:p>
+          <a:p>
+            <a:pPr lvl="1"/>
+            <a:endParaRPr lang="en-US" altLang="ko-KR" sz="2000" dirty="0" smtClean="0">
+              <a:latin typeface="나눔스퀘어" panose="020B0600000101010101" pitchFamily="50" charset="-127"/>
+              <a:ea typeface="나눔스퀘어" panose="020B0600000101010101" pitchFamily="50" charset="-127"/>
+            </a:endParaRPr>
+          </a:p>
+          <a:p>
+            <a:endParaRPr lang="ko-KR" altLang="en-US" sz="2400" dirty="0">
+              <a:latin typeface="나눔스퀘어" panose="020B0600000101010101" pitchFamily="50" charset="-127"/>
+              <a:ea typeface="나눔스퀘어" panose="020B0600000101010101" pitchFamily="50" charset="-127"/>
+            </a:endParaRPr>
+          </a:p>
+        </p:txBody>
+      </p:sp>
     </p:spTree>
     <p:extLst>
       <p:ext uri="{BB962C8B-B14F-4D97-AF65-F5344CB8AC3E}">
@@ -35489,8 +35927,8 @@
         </p:blipFill>
         <p:spPr>
           <a:xfrm>
-            <a:off x="3060693" y="3136424"/>
-            <a:ext cx="3160264" cy="1067444"/>
+            <a:off x="2906869" y="3984091"/>
+            <a:ext cx="2918561" cy="985804"/>
           </a:xfrm>
           <a:prstGeom prst="rect">
             <a:avLst/>
@@ -35518,8 +35956,8 @@
         </p:blipFill>
         <p:spPr>
           <a:xfrm>
-            <a:off x="7954536" y="3020153"/>
-            <a:ext cx="3064918" cy="1198190"/>
+            <a:off x="6536585" y="3985453"/>
+            <a:ext cx="2566447" cy="1003319"/>
           </a:xfrm>
           <a:prstGeom prst="rect">
             <a:avLst/>
@@ -35548,8 +35986,8 @@
         </p:blipFill>
         <p:spPr>
           <a:xfrm>
-            <a:off x="3651717" y="4570316"/>
-            <a:ext cx="2212651" cy="1659488"/>
+            <a:off x="3284248" y="4896326"/>
+            <a:ext cx="2043423" cy="1532567"/>
           </a:xfrm>
           <a:prstGeom prst="rect">
             <a:avLst/>
@@ -35572,8 +36010,8 @@
         </p:blipFill>
         <p:spPr>
           <a:xfrm>
-            <a:off x="8714502" y="4336652"/>
-            <a:ext cx="1544986" cy="1893152"/>
+            <a:off x="7236759" y="5084584"/>
+            <a:ext cx="1172303" cy="1436484"/>
           </a:xfrm>
           <a:prstGeom prst="rect">
             <a:avLst/>
@@ -35680,7 +36118,7 @@
         <p:spPr>
           <a:xfrm>
             <a:off x="3189345" y="1697954"/>
-            <a:ext cx="3137397" cy="523220"/>
+            <a:ext cx="6080126" cy="523220"/>
           </a:xfrm>
           <a:prstGeom prst="rect">
             <a:avLst/>
@@ -35731,6 +36169,26 @@
                 <a:ea typeface="나눔스퀘어 Bold" panose="020B0600000101010101" pitchFamily="50" charset="-127"/>
               </a:rPr>
               <a:t>프론트엔드</a:t>
+            </a:r>
+            <a:r>
+              <a:rPr lang="ko-KR" altLang="en-US" sz="2800" dirty="0" smtClean="0">
+                <a:solidFill>
+                  <a:srgbClr val="FF0000"/>
+                </a:solidFill>
+                <a:latin typeface="나눔스퀘어 Bold" panose="020B0600000101010101" pitchFamily="50" charset="-127"/>
+                <a:ea typeface="나눔스퀘어 Bold" panose="020B0600000101010101" pitchFamily="50" charset="-127"/>
+              </a:rPr>
+              <a:t> </a:t>
+            </a:r>
+            <a:r>
+              <a:rPr lang="en-US" altLang="ko-KR" sz="2800" dirty="0" smtClean="0">
+                <a:solidFill>
+                  <a:srgbClr val="FF0000"/>
+                </a:solidFill>
+                <a:latin typeface="나눔스퀘어 Bold" panose="020B0600000101010101" pitchFamily="50" charset="-127"/>
+                <a:ea typeface="나눔스퀘어 Bold" panose="020B0600000101010101" pitchFamily="50" charset="-127"/>
+              </a:rPr>
+              <a:t>/ Version Control</a:t>
             </a:r>
             <a:endParaRPr lang="en-US" altLang="ko-KR" sz="2800" dirty="0">
               <a:solidFill>
@@ -36144,7 +36602,7 @@
           <a:effectLst/>
           <a:extLst>
             <a:ext uri="{91240B29-F687-4f45-9708-019B960494DF}">
-              <a14:hiddenLine xmlns="" xmlns:a14="http://schemas.microsoft.com/office/drawing/2010/main" w="12700" cap="flat" cmpd="sng">
+              <a14:hiddenLine xmlns:a14="http://schemas.microsoft.com/office/drawing/2010/main" xmlns="" w="12700" cap="flat" cmpd="sng">
                 <a:solidFill>
                   <a:srgbClr val="000000"/>
                 </a:solidFill>
@@ -36155,7 +36613,7 @@
               </a14:hiddenLine>
             </a:ext>
             <a:ext uri="{AF507438-7753-43e0-B8FC-AC1667EBCBE1}">
-              <a14:hiddenEffects xmlns="" xmlns:a14="http://schemas.microsoft.com/office/drawing/2010/main">
+              <a14:hiddenEffects xmlns:a14="http://schemas.microsoft.com/office/drawing/2010/main" xmlns="">
                 <a:effectLst>
                   <a:outerShdw blurRad="63500" dist="38099" dir="2700000" algn="ctr" rotWithShape="0">
                     <a:srgbClr val="000000">
@@ -36190,6 +36648,361 @@
               </a:effectLst>
               <a:latin typeface="Gill Sans" charset="0"/>
               <a:sym typeface="Gill Sans" charset="0"/>
+            </a:endParaRPr>
+          </a:p>
+        </p:txBody>
+      </p:sp>
+      <p:pic>
+        <p:nvPicPr>
+          <p:cNvPr id="8" name="그림 7"/>
+          <p:cNvPicPr>
+            <a:picLocks noChangeAspect="1"/>
+          </p:cNvPicPr>
+          <p:nvPr/>
+        </p:nvPicPr>
+        <p:blipFill>
+          <a:blip r:embed="rId6" cstate="print">
+            <a:extLst>
+              <a:ext uri="{28A0092B-C50C-407E-A947-70E740481C1C}">
+                <a14:useLocalDpi xmlns:a14="http://schemas.microsoft.com/office/drawing/2010/main" val="0"/>
+              </a:ext>
+            </a:extLst>
+          </a:blip>
+          <a:stretch>
+            <a:fillRect/>
+          </a:stretch>
+        </p:blipFill>
+        <p:spPr>
+          <a:xfrm>
+            <a:off x="10029362" y="3887113"/>
+            <a:ext cx="1490369" cy="1345989"/>
+          </a:xfrm>
+          <a:prstGeom prst="rect">
+            <a:avLst/>
+          </a:prstGeom>
+        </p:spPr>
+      </p:pic>
+      <p:sp>
+        <p:nvSpPr>
+          <p:cNvPr id="15" name="내용 개체 틀 2"/>
+          <p:cNvSpPr txBox="1">
+            <a:spLocks/>
+          </p:cNvSpPr>
+          <p:nvPr/>
+        </p:nvSpPr>
+        <p:spPr>
+          <a:xfrm>
+            <a:off x="2768986" y="2389240"/>
+            <a:ext cx="9049848" cy="1270172"/>
+          </a:xfrm>
+          <a:prstGeom prst="rect">
+            <a:avLst/>
+          </a:prstGeom>
+        </p:spPr>
+        <p:txBody>
+          <a:bodyPr/>
+          <a:lstStyle>
+            <a:lvl1pPr marL="228600" indent="-228600" algn="l" defTabSz="914400" rtl="0" eaLnBrk="1" latinLnBrk="0" hangingPunct="1">
+              <a:lnSpc>
+                <a:spcPct val="90000"/>
+              </a:lnSpc>
+              <a:spcBef>
+                <a:spcPts val="1000"/>
+              </a:spcBef>
+              <a:buFont typeface="Arial" panose="020B0604020202020204" pitchFamily="34" charset="0"/>
+              <a:buChar char="•"/>
+              <a:defRPr sz="2800" kern="1200">
+                <a:solidFill>
+                  <a:schemeClr val="tx1"/>
+                </a:solidFill>
+                <a:latin typeface="+mn-lt"/>
+                <a:ea typeface="+mn-ea"/>
+                <a:cs typeface="+mn-cs"/>
+              </a:defRPr>
+            </a:lvl1pPr>
+            <a:lvl2pPr marL="685800" indent="-228600" algn="l" defTabSz="914400" rtl="0" eaLnBrk="1" latinLnBrk="0" hangingPunct="1">
+              <a:lnSpc>
+                <a:spcPct val="90000"/>
+              </a:lnSpc>
+              <a:spcBef>
+                <a:spcPts val="500"/>
+              </a:spcBef>
+              <a:buFont typeface="Arial" panose="020B0604020202020204" pitchFamily="34" charset="0"/>
+              <a:buChar char="•"/>
+              <a:defRPr sz="2400" kern="1200">
+                <a:solidFill>
+                  <a:schemeClr val="tx1"/>
+                </a:solidFill>
+                <a:latin typeface="+mn-lt"/>
+                <a:ea typeface="+mn-ea"/>
+                <a:cs typeface="+mn-cs"/>
+              </a:defRPr>
+            </a:lvl2pPr>
+            <a:lvl3pPr marL="1143000" indent="-228600" algn="l" defTabSz="914400" rtl="0" eaLnBrk="1" latinLnBrk="0" hangingPunct="1">
+              <a:lnSpc>
+                <a:spcPct val="90000"/>
+              </a:lnSpc>
+              <a:spcBef>
+                <a:spcPts val="500"/>
+              </a:spcBef>
+              <a:buFont typeface="Arial" panose="020B0604020202020204" pitchFamily="34" charset="0"/>
+              <a:buChar char="•"/>
+              <a:defRPr sz="2000" kern="1200">
+                <a:solidFill>
+                  <a:schemeClr val="tx1"/>
+                </a:solidFill>
+                <a:latin typeface="+mn-lt"/>
+                <a:ea typeface="+mn-ea"/>
+                <a:cs typeface="+mn-cs"/>
+              </a:defRPr>
+            </a:lvl3pPr>
+            <a:lvl4pPr marL="1600200" indent="-228600" algn="l" defTabSz="914400" rtl="0" eaLnBrk="1" latinLnBrk="0" hangingPunct="1">
+              <a:lnSpc>
+                <a:spcPct val="90000"/>
+              </a:lnSpc>
+              <a:spcBef>
+                <a:spcPts val="500"/>
+              </a:spcBef>
+              <a:buFont typeface="Arial" panose="020B0604020202020204" pitchFamily="34" charset="0"/>
+              <a:buChar char="•"/>
+              <a:defRPr sz="1800" kern="1200">
+                <a:solidFill>
+                  <a:schemeClr val="tx1"/>
+                </a:solidFill>
+                <a:latin typeface="+mn-lt"/>
+                <a:ea typeface="+mn-ea"/>
+                <a:cs typeface="+mn-cs"/>
+              </a:defRPr>
+            </a:lvl4pPr>
+            <a:lvl5pPr marL="2057400" indent="-228600" algn="l" defTabSz="914400" rtl="0" eaLnBrk="1" latinLnBrk="0" hangingPunct="1">
+              <a:lnSpc>
+                <a:spcPct val="90000"/>
+              </a:lnSpc>
+              <a:spcBef>
+                <a:spcPts val="500"/>
+              </a:spcBef>
+              <a:buFont typeface="Arial" panose="020B0604020202020204" pitchFamily="34" charset="0"/>
+              <a:buChar char="•"/>
+              <a:defRPr sz="1800" kern="1200">
+                <a:solidFill>
+                  <a:schemeClr val="tx1"/>
+                </a:solidFill>
+                <a:latin typeface="+mn-lt"/>
+                <a:ea typeface="+mn-ea"/>
+                <a:cs typeface="+mn-cs"/>
+              </a:defRPr>
+            </a:lvl5pPr>
+            <a:lvl6pPr marL="2514600" indent="-228600" algn="l" defTabSz="914400" rtl="0" eaLnBrk="1" latinLnBrk="0" hangingPunct="1">
+              <a:lnSpc>
+                <a:spcPct val="90000"/>
+              </a:lnSpc>
+              <a:spcBef>
+                <a:spcPts val="500"/>
+              </a:spcBef>
+              <a:buFont typeface="Arial" panose="020B0604020202020204" pitchFamily="34" charset="0"/>
+              <a:buChar char="•"/>
+              <a:defRPr sz="1800" kern="1200">
+                <a:solidFill>
+                  <a:schemeClr val="tx1"/>
+                </a:solidFill>
+                <a:latin typeface="+mn-lt"/>
+                <a:ea typeface="+mn-ea"/>
+                <a:cs typeface="+mn-cs"/>
+              </a:defRPr>
+            </a:lvl6pPr>
+            <a:lvl7pPr marL="2971800" indent="-228600" algn="l" defTabSz="914400" rtl="0" eaLnBrk="1" latinLnBrk="0" hangingPunct="1">
+              <a:lnSpc>
+                <a:spcPct val="90000"/>
+              </a:lnSpc>
+              <a:spcBef>
+                <a:spcPts val="500"/>
+              </a:spcBef>
+              <a:buFont typeface="Arial" panose="020B0604020202020204" pitchFamily="34" charset="0"/>
+              <a:buChar char="•"/>
+              <a:defRPr sz="1800" kern="1200">
+                <a:solidFill>
+                  <a:schemeClr val="tx1"/>
+                </a:solidFill>
+                <a:latin typeface="+mn-lt"/>
+                <a:ea typeface="+mn-ea"/>
+                <a:cs typeface="+mn-cs"/>
+              </a:defRPr>
+            </a:lvl7pPr>
+            <a:lvl8pPr marL="3429000" indent="-228600" algn="l" defTabSz="914400" rtl="0" eaLnBrk="1" latinLnBrk="0" hangingPunct="1">
+              <a:lnSpc>
+                <a:spcPct val="90000"/>
+              </a:lnSpc>
+              <a:spcBef>
+                <a:spcPts val="500"/>
+              </a:spcBef>
+              <a:buFont typeface="Arial" panose="020B0604020202020204" pitchFamily="34" charset="0"/>
+              <a:buChar char="•"/>
+              <a:defRPr sz="1800" kern="1200">
+                <a:solidFill>
+                  <a:schemeClr val="tx1"/>
+                </a:solidFill>
+                <a:latin typeface="+mn-lt"/>
+                <a:ea typeface="+mn-ea"/>
+                <a:cs typeface="+mn-cs"/>
+              </a:defRPr>
+            </a:lvl8pPr>
+            <a:lvl9pPr marL="3886200" indent="-228600" algn="l" defTabSz="914400" rtl="0" eaLnBrk="1" latinLnBrk="0" hangingPunct="1">
+              <a:lnSpc>
+                <a:spcPct val="90000"/>
+              </a:lnSpc>
+              <a:spcBef>
+                <a:spcPts val="500"/>
+              </a:spcBef>
+              <a:buFont typeface="Arial" panose="020B0604020202020204" pitchFamily="34" charset="0"/>
+              <a:buChar char="•"/>
+              <a:defRPr sz="1800" kern="1200">
+                <a:solidFill>
+                  <a:schemeClr val="tx1"/>
+                </a:solidFill>
+                <a:latin typeface="+mn-lt"/>
+                <a:ea typeface="+mn-ea"/>
+                <a:cs typeface="+mn-cs"/>
+              </a:defRPr>
+            </a:lvl9pPr>
+          </a:lstStyle>
+          <a:p>
+            <a:pPr lvl="1"/>
+            <a:r>
+              <a:rPr lang="ko-KR" altLang="en-US" sz="2000" dirty="0" err="1" smtClean="0">
+                <a:latin typeface="나눔스퀘어" panose="020B0600000101010101" pitchFamily="50" charset="-127"/>
+                <a:ea typeface="나눔스퀘어" panose="020B0600000101010101" pitchFamily="50" charset="-127"/>
+              </a:rPr>
+              <a:t>백엔드</a:t>
+            </a:r>
+            <a:r>
+              <a:rPr lang="ko-KR" altLang="en-US" sz="2000" dirty="0" smtClean="0">
+                <a:latin typeface="나눔스퀘어" panose="020B0600000101010101" pitchFamily="50" charset="-127"/>
+                <a:ea typeface="나눔스퀘어" panose="020B0600000101010101" pitchFamily="50" charset="-127"/>
+              </a:rPr>
+              <a:t> </a:t>
+            </a:r>
+            <a:r>
+              <a:rPr lang="en-US" altLang="ko-KR" sz="2000" dirty="0" smtClean="0">
+                <a:latin typeface="나눔스퀘어" panose="020B0600000101010101" pitchFamily="50" charset="-127"/>
+                <a:ea typeface="나눔스퀘어" panose="020B0600000101010101" pitchFamily="50" charset="-127"/>
+              </a:rPr>
+              <a:t>: </a:t>
+            </a:r>
+            <a:r>
+              <a:rPr lang="ko-KR" altLang="en-US" sz="2000" dirty="0" err="1" smtClean="0">
+                <a:latin typeface="나눔스퀘어" panose="020B0600000101010101" pitchFamily="50" charset="-127"/>
+                <a:ea typeface="나눔스퀘어" panose="020B0600000101010101" pitchFamily="50" charset="-127"/>
+              </a:rPr>
+              <a:t>파이썬</a:t>
+            </a:r>
+            <a:r>
+              <a:rPr lang="ko-KR" altLang="en-US" sz="2000" dirty="0" smtClean="0">
+                <a:latin typeface="나눔스퀘어" panose="020B0600000101010101" pitchFamily="50" charset="-127"/>
+                <a:ea typeface="나눔스퀘어" panose="020B0600000101010101" pitchFamily="50" charset="-127"/>
+              </a:rPr>
+              <a:t> 기반 </a:t>
+            </a:r>
+            <a:r>
+              <a:rPr lang="en-US" altLang="ko-KR" sz="2000" dirty="0" smtClean="0">
+                <a:latin typeface="나눔스퀘어" panose="020B0600000101010101" pitchFamily="50" charset="-127"/>
+                <a:ea typeface="나눔스퀘어" panose="020B0600000101010101" pitchFamily="50" charset="-127"/>
+              </a:rPr>
+              <a:t>Django </a:t>
+            </a:r>
+            <a:r>
+              <a:rPr lang="ko-KR" altLang="en-US" sz="2000" dirty="0" smtClean="0">
+                <a:latin typeface="나눔스퀘어" panose="020B0600000101010101" pitchFamily="50" charset="-127"/>
+                <a:ea typeface="나눔스퀘어" panose="020B0600000101010101" pitchFamily="50" charset="-127"/>
+              </a:rPr>
+              <a:t>프레임워크로 </a:t>
+            </a:r>
+            <a:r>
+              <a:rPr lang="ko-KR" altLang="en-US" sz="2000" dirty="0" err="1" smtClean="0">
+                <a:latin typeface="나눔스퀘어" panose="020B0600000101010101" pitchFamily="50" charset="-127"/>
+                <a:ea typeface="나눔스퀘어" panose="020B0600000101010101" pitchFamily="50" charset="-127"/>
+              </a:rPr>
+              <a:t>웹서비스</a:t>
+            </a:r>
+            <a:r>
+              <a:rPr lang="ko-KR" altLang="en-US" sz="2000" dirty="0" smtClean="0">
+                <a:latin typeface="나눔스퀘어" panose="020B0600000101010101" pitchFamily="50" charset="-127"/>
+                <a:ea typeface="나눔스퀘어" panose="020B0600000101010101" pitchFamily="50" charset="-127"/>
+              </a:rPr>
+              <a:t> 구성</a:t>
+            </a:r>
+            <a:endParaRPr lang="en-US" altLang="ko-KR" sz="2000" dirty="0" smtClean="0">
+              <a:latin typeface="나눔스퀘어" panose="020B0600000101010101" pitchFamily="50" charset="-127"/>
+              <a:ea typeface="나눔스퀘어" panose="020B0600000101010101" pitchFamily="50" charset="-127"/>
+            </a:endParaRPr>
+          </a:p>
+          <a:p>
+            <a:pPr lvl="1"/>
+            <a:r>
+              <a:rPr lang="ko-KR" altLang="en-US" sz="2000" dirty="0" err="1" smtClean="0">
+                <a:latin typeface="나눔스퀘어" panose="020B0600000101010101" pitchFamily="50" charset="-127"/>
+                <a:ea typeface="나눔스퀘어" panose="020B0600000101010101" pitchFamily="50" charset="-127"/>
+              </a:rPr>
+              <a:t>프론트엔드</a:t>
+            </a:r>
+            <a:r>
+              <a:rPr lang="ko-KR" altLang="en-US" sz="2000" dirty="0" smtClean="0">
+                <a:latin typeface="나눔스퀘어" panose="020B0600000101010101" pitchFamily="50" charset="-127"/>
+                <a:ea typeface="나눔스퀘어" panose="020B0600000101010101" pitchFamily="50" charset="-127"/>
+              </a:rPr>
+              <a:t> </a:t>
+            </a:r>
+            <a:r>
+              <a:rPr lang="en-US" altLang="ko-KR" sz="2000" dirty="0" smtClean="0">
+                <a:latin typeface="나눔스퀘어" panose="020B0600000101010101" pitchFamily="50" charset="-127"/>
+                <a:ea typeface="나눔스퀘어" panose="020B0600000101010101" pitchFamily="50" charset="-127"/>
+              </a:rPr>
+              <a:t>: Html5, chart </a:t>
+            </a:r>
+            <a:r>
+              <a:rPr lang="ko-KR" altLang="en-US" sz="2000" dirty="0" smtClean="0">
+                <a:latin typeface="나눔스퀘어" panose="020B0600000101010101" pitchFamily="50" charset="-127"/>
+                <a:ea typeface="나눔스퀘어" panose="020B0600000101010101" pitchFamily="50" charset="-127"/>
+              </a:rPr>
+              <a:t>라이브러리로 구현</a:t>
+            </a:r>
+            <a:endParaRPr lang="en-US" altLang="ko-KR" sz="2000" dirty="0" smtClean="0">
+              <a:latin typeface="나눔스퀘어" panose="020B0600000101010101" pitchFamily="50" charset="-127"/>
+              <a:ea typeface="나눔스퀘어" panose="020B0600000101010101" pitchFamily="50" charset="-127"/>
+            </a:endParaRPr>
+          </a:p>
+          <a:p>
+            <a:pPr lvl="1"/>
+            <a:r>
+              <a:rPr lang="en-US" altLang="ko-KR" sz="2000" dirty="0" smtClean="0">
+                <a:latin typeface="나눔스퀘어" panose="020B0600000101010101" pitchFamily="50" charset="-127"/>
+                <a:ea typeface="나눔스퀘어" panose="020B0600000101010101" pitchFamily="50" charset="-127"/>
+              </a:rPr>
+              <a:t>Version Control </a:t>
+            </a:r>
+            <a:r>
+              <a:rPr lang="en-US" altLang="ko-KR" sz="2000" dirty="0" smtClean="0">
+                <a:latin typeface="나눔스퀘어" panose="020B0600000101010101" pitchFamily="50" charset="-127"/>
+                <a:ea typeface="나눔스퀘어" panose="020B0600000101010101" pitchFamily="50" charset="-127"/>
+              </a:rPr>
+              <a:t>: </a:t>
+            </a:r>
+            <a:r>
+              <a:rPr lang="en-US" altLang="ko-KR" sz="2000" dirty="0" smtClean="0">
+                <a:latin typeface="나눔스퀘어" panose="020B0600000101010101" pitchFamily="50" charset="-127"/>
+                <a:ea typeface="나눔스퀘어" panose="020B0600000101010101" pitchFamily="50" charset="-127"/>
+              </a:rPr>
+              <a:t>GitHub </a:t>
+            </a:r>
+            <a:r>
+              <a:rPr lang="ko-KR" altLang="en-US" sz="2000" dirty="0" smtClean="0">
+                <a:latin typeface="나눔스퀘어" panose="020B0600000101010101" pitchFamily="50" charset="-127"/>
+                <a:ea typeface="나눔스퀘어" panose="020B0600000101010101" pitchFamily="50" charset="-127"/>
+              </a:rPr>
+              <a:t>로 팀원 전체 소스 형상 관리</a:t>
+            </a:r>
+            <a:endParaRPr lang="ko-KR" altLang="en-US" sz="2400" dirty="0">
+              <a:latin typeface="나눔스퀘어" panose="020B0600000101010101" pitchFamily="50" charset="-127"/>
+              <a:ea typeface="나눔스퀘어" panose="020B0600000101010101" pitchFamily="50" charset="-127"/>
             </a:endParaRPr>
           </a:p>
         </p:txBody>
@@ -37325,7 +38138,7 @@
           <a:effectLst/>
           <a:extLst>
             <a:ext uri="{91240B29-F687-4f45-9708-019B960494DF}">
-              <a14:hiddenLine xmlns:a14="http://schemas.microsoft.com/office/drawing/2010/main" xmlns="" w="12700" cap="flat" cmpd="sng">
+              <a14:hiddenLine xmlns="" xmlns:a14="http://schemas.microsoft.com/office/drawing/2010/main" w="12700" cap="flat" cmpd="sng">
                 <a:solidFill>
                   <a:srgbClr val="000000"/>
                 </a:solidFill>
@@ -37336,7 +38149,7 @@
               </a14:hiddenLine>
             </a:ext>
             <a:ext uri="{AF507438-7753-43e0-B8FC-AC1667EBCBE1}">
-              <a14:hiddenEffects xmlns:a14="http://schemas.microsoft.com/office/drawing/2010/main" xmlns="">
+              <a14:hiddenEffects xmlns="" xmlns:a14="http://schemas.microsoft.com/office/drawing/2010/main">
                 <a:effectLst>
                   <a:outerShdw blurRad="63500" dist="38099" dir="2700000" algn="ctr" rotWithShape="0">
                     <a:srgbClr val="000000">
@@ -37536,7 +38349,7 @@
             <a:effectLst/>
             <a:extLst>
               <a:ext uri="{91240B29-F687-4f45-9708-019B960494DF}">
-                <a14:hiddenLine xmlns:a14="http://schemas.microsoft.com/office/drawing/2010/main" xmlns="" w="12700" cap="flat" cmpd="sng">
+                <a14:hiddenLine xmlns="" xmlns:a14="http://schemas.microsoft.com/office/drawing/2010/main" w="12700" cap="flat" cmpd="sng">
                   <a:solidFill>
                     <a:srgbClr val="000000"/>
                   </a:solidFill>
@@ -37547,7 +38360,7 @@
                 </a14:hiddenLine>
               </a:ext>
               <a:ext uri="{AF507438-7753-43e0-B8FC-AC1667EBCBE1}">
-                <a14:hiddenEffects xmlns:a14="http://schemas.microsoft.com/office/drawing/2010/main" xmlns="">
+                <a14:hiddenEffects xmlns="" xmlns:a14="http://schemas.microsoft.com/office/drawing/2010/main">
                   <a:effectLst>
                     <a:outerShdw blurRad="63500" dist="38099" dir="2700000" algn="ctr" rotWithShape="0">
                       <a:srgbClr val="000000">
@@ -37760,7 +38573,7 @@
             <a:effectLst/>
             <a:extLst>
               <a:ext uri="{91240B29-F687-4f45-9708-019B960494DF}">
-                <a14:hiddenLine xmlns:a14="http://schemas.microsoft.com/office/drawing/2010/main" xmlns="" w="12700" cap="flat" cmpd="sng">
+                <a14:hiddenLine xmlns="" xmlns:a14="http://schemas.microsoft.com/office/drawing/2010/main" w="12700" cap="flat" cmpd="sng">
                   <a:solidFill>
                     <a:srgbClr val="000000"/>
                   </a:solidFill>
@@ -37771,7 +38584,7 @@
                 </a14:hiddenLine>
               </a:ext>
               <a:ext uri="{AF507438-7753-43e0-B8FC-AC1667EBCBE1}">
-                <a14:hiddenEffects xmlns:a14="http://schemas.microsoft.com/office/drawing/2010/main" xmlns="">
+                <a14:hiddenEffects xmlns="" xmlns:a14="http://schemas.microsoft.com/office/drawing/2010/main">
                   <a:effectLst>
                     <a:outerShdw blurRad="63500" dist="38099" dir="2700000" algn="ctr" rotWithShape="0">
                       <a:srgbClr val="000000">
@@ -38207,7 +39020,7 @@
           <a:effectLst/>
           <a:extLst>
             <a:ext uri="{91240B29-F687-4f45-9708-019B960494DF}">
-              <a14:hiddenLine xmlns:a14="http://schemas.microsoft.com/office/drawing/2010/main" xmlns="" w="12700" cap="flat" cmpd="sng">
+              <a14:hiddenLine xmlns="" xmlns:a14="http://schemas.microsoft.com/office/drawing/2010/main" w="12700" cap="flat" cmpd="sng">
                 <a:solidFill>
                   <a:srgbClr val="000000"/>
                 </a:solidFill>
@@ -38218,7 +39031,7 @@
               </a14:hiddenLine>
             </a:ext>
             <a:ext uri="{AF507438-7753-43e0-B8FC-AC1667EBCBE1}">
-              <a14:hiddenEffects xmlns:a14="http://schemas.microsoft.com/office/drawing/2010/main" xmlns="">
+              <a14:hiddenEffects xmlns="" xmlns:a14="http://schemas.microsoft.com/office/drawing/2010/main">
                 <a:effectLst>
                   <a:outerShdw blurRad="63500" dist="38099" dir="2700000" algn="ctr" rotWithShape="0">
                     <a:srgbClr val="000000">
@@ -38376,7 +39189,7 @@
             <a:effectLst/>
             <a:extLst>
               <a:ext uri="{91240B29-F687-4f45-9708-019B960494DF}">
-                <a14:hiddenLine xmlns:a14="http://schemas.microsoft.com/office/drawing/2010/main" xmlns="" w="12700" cap="flat" cmpd="sng">
+                <a14:hiddenLine xmlns="" xmlns:a14="http://schemas.microsoft.com/office/drawing/2010/main" w="12700" cap="flat" cmpd="sng">
                   <a:solidFill>
                     <a:srgbClr val="000000"/>
                   </a:solidFill>
@@ -38387,7 +39200,7 @@
                 </a14:hiddenLine>
               </a:ext>
               <a:ext uri="{AF507438-7753-43e0-B8FC-AC1667EBCBE1}">
-                <a14:hiddenEffects xmlns:a14="http://schemas.microsoft.com/office/drawing/2010/main" xmlns="">
+                <a14:hiddenEffects xmlns="" xmlns:a14="http://schemas.microsoft.com/office/drawing/2010/main">
                   <a:effectLst>
                     <a:outerShdw blurRad="63500" dist="38099" dir="2700000" algn="ctr" rotWithShape="0">
                       <a:srgbClr val="000000">
@@ -38660,7 +39473,7 @@
             <a:effectLst/>
             <a:extLst>
               <a:ext uri="{91240B29-F687-4f45-9708-019B960494DF}">
-                <a14:hiddenLine xmlns:a14="http://schemas.microsoft.com/office/drawing/2010/main" xmlns="" w="12700" cap="flat" cmpd="sng">
+                <a14:hiddenLine xmlns="" xmlns:a14="http://schemas.microsoft.com/office/drawing/2010/main" w="12700" cap="flat" cmpd="sng">
                   <a:solidFill>
                     <a:srgbClr val="000000"/>
                   </a:solidFill>
@@ -38671,7 +39484,7 @@
                 </a14:hiddenLine>
               </a:ext>
               <a:ext uri="{AF507438-7753-43e0-B8FC-AC1667EBCBE1}">
-                <a14:hiddenEffects xmlns:a14="http://schemas.microsoft.com/office/drawing/2010/main" xmlns="">
+                <a14:hiddenEffects xmlns="" xmlns:a14="http://schemas.microsoft.com/office/drawing/2010/main">
                   <a:effectLst>
                     <a:outerShdw blurRad="63500" dist="38099" dir="2700000" algn="ctr" rotWithShape="0">
                       <a:srgbClr val="000000">
@@ -38812,7 +39625,7 @@
             <a:effectLst/>
             <a:extLst>
               <a:ext uri="{91240B29-F687-4f45-9708-019B960494DF}">
-                <a14:hiddenLine xmlns:a14="http://schemas.microsoft.com/office/drawing/2010/main" xmlns="" w="12700" cap="flat" cmpd="sng">
+                <a14:hiddenLine xmlns="" xmlns:a14="http://schemas.microsoft.com/office/drawing/2010/main" w="12700" cap="flat" cmpd="sng">
                   <a:solidFill>
                     <a:srgbClr val="000000"/>
                   </a:solidFill>
@@ -38823,7 +39636,7 @@
                 </a14:hiddenLine>
               </a:ext>
               <a:ext uri="{AF507438-7753-43e0-B8FC-AC1667EBCBE1}">
-                <a14:hiddenEffects xmlns:a14="http://schemas.microsoft.com/office/drawing/2010/main" xmlns="">
+                <a14:hiddenEffects xmlns="" xmlns:a14="http://schemas.microsoft.com/office/drawing/2010/main">
                   <a:effectLst>
                     <a:outerShdw blurRad="63500" dist="38099" dir="2700000" algn="ctr" rotWithShape="0">
                       <a:srgbClr val="000000">

--- a/자료/프로젝트.pptx
+++ b/자료/프로젝트.pptx
@@ -19962,6 +19962,35 @@
           </a:prstGeom>
         </p:spPr>
       </p:pic>
+      <p:pic>
+        <p:nvPicPr>
+          <p:cNvPr id="7" name="그림 6"/>
+          <p:cNvPicPr>
+            <a:picLocks noChangeAspect="1"/>
+          </p:cNvPicPr>
+          <p:nvPr/>
+        </p:nvPicPr>
+        <p:blipFill rotWithShape="1">
+          <a:blip r:embed="rId3">
+            <a:extLst>
+              <a:ext uri="{28A0092B-C50C-407E-A947-70E740481C1C}">
+                <a14:useLocalDpi xmlns:a14="http://schemas.microsoft.com/office/drawing/2010/main" val="0"/>
+              </a:ext>
+            </a:extLst>
+          </a:blip>
+          <a:srcRect l="2693" t="12406" r="2237" b="32761"/>
+          <a:stretch/>
+        </p:blipFill>
+        <p:spPr>
+          <a:xfrm>
+            <a:off x="72571" y="0"/>
+            <a:ext cx="12104915" cy="6894286"/>
+          </a:xfrm>
+          <a:prstGeom prst="rect">
+            <a:avLst/>
+          </a:prstGeom>
+        </p:spPr>
+      </p:pic>
       <p:sp>
         <p:nvSpPr>
           <p:cNvPr id="4" name="직사각형 3"/>
@@ -20169,24 +20198,7 @@
                 <a:latin typeface="나눔스퀘어 Bold" panose="020B0600000101010101" pitchFamily="50" charset="-127"/>
                 <a:ea typeface="나눔스퀘어 Bold" panose="020B0600000101010101" pitchFamily="50" charset="-127"/>
               </a:rPr>
-              <a:t> </a:t>
-            </a:r>
-            <a:r>
-              <a:rPr lang="ko-KR" altLang="en-US" sz="3600" dirty="0" smtClean="0">
-                <a:solidFill>
-                  <a:schemeClr val="bg1"/>
-                </a:solidFill>
-                <a:effectLst>
-                  <a:outerShdw blurRad="38100" dist="38100" dir="2700000" algn="tl">
-                    <a:srgbClr val="000000">
-                      <a:alpha val="43137"/>
-                    </a:srgbClr>
-                  </a:outerShdw>
-                </a:effectLst>
-                <a:latin typeface="나눔스퀘어 Bold" panose="020B0600000101010101" pitchFamily="50" charset="-127"/>
-                <a:ea typeface="나눔스퀘어 Bold" panose="020B0600000101010101" pitchFamily="50" charset="-127"/>
-              </a:rPr>
-              <a:t>활용한 </a:t>
+              <a:t> 활용한 </a:t>
             </a:r>
             <a:r>
               <a:rPr lang="ko-KR" altLang="en-US" sz="3600" dirty="0" err="1" smtClean="0">
@@ -26289,33 +26301,7 @@
                 <a:ea typeface="나눔스퀘어" panose="020B0600000101010101" pitchFamily="50" charset="-127"/>
                 <a:cs typeface="Lato Regular"/>
               </a:rPr>
-              <a:t>데이터</a:t>
-            </a:r>
-            <a:r>
-              <a:rPr lang="ko-KR" altLang="en-US" sz="1600" dirty="0" smtClean="0">
-                <a:solidFill>
-                  <a:schemeClr val="tx2">
-                    <a:lumMod val="75000"/>
-                  </a:schemeClr>
-                </a:solidFill>
-                <a:latin typeface="나눔스퀘어" panose="020B0600000101010101" pitchFamily="50" charset="-127"/>
-                <a:ea typeface="나눔스퀘어" panose="020B0600000101010101" pitchFamily="50" charset="-127"/>
-                <a:cs typeface="Lato Regular"/>
-              </a:rPr>
-              <a:t> </a:t>
-            </a:r>
-            <a:r>
-              <a:rPr lang="ko-KR" altLang="en-US" sz="1600" dirty="0" smtClean="0">
-                <a:solidFill>
-                  <a:schemeClr val="tx2">
-                    <a:lumMod val="75000"/>
-                  </a:schemeClr>
-                </a:solidFill>
-                <a:latin typeface="나눔스퀘어" panose="020B0600000101010101" pitchFamily="50" charset="-127"/>
-                <a:ea typeface="나눔스퀘어" panose="020B0600000101010101" pitchFamily="50" charset="-127"/>
-                <a:cs typeface="Lato Regular"/>
-              </a:rPr>
-              <a:t>저장</a:t>
+              <a:t>데이터 저장</a:t>
             </a:r>
             <a:endParaRPr lang="id-ID" sz="1600" dirty="0">
               <a:solidFill>
@@ -26896,7 +26882,7 @@
             <a:effectLst/>
             <a:extLst>
               <a:ext uri="{91240B29-F687-4f45-9708-019B960494DF}">
-                <a14:hiddenLine xmlns="" xmlns:a14="http://schemas.microsoft.com/office/drawing/2010/main" w="9525" cap="flat">
+                <a14:hiddenLine xmlns:a14="http://schemas.microsoft.com/office/drawing/2010/main" xmlns="" w="9525" cap="flat">
                   <a:solidFill>
                     <a:srgbClr val="808080"/>
                   </a:solidFill>
@@ -26906,7 +26892,7 @@
                 </a14:hiddenLine>
               </a:ext>
               <a:ext uri="{AF507438-7753-43e0-B8FC-AC1667EBCBE1}">
-                <a14:hiddenEffects xmlns="" xmlns:a14="http://schemas.microsoft.com/office/drawing/2010/main">
+                <a14:hiddenEffects xmlns:a14="http://schemas.microsoft.com/office/drawing/2010/main" xmlns="">
                   <a:effectLst>
                     <a:outerShdw blurRad="63500" dist="38099" dir="2700000" algn="ctr" rotWithShape="0">
                       <a:srgbClr val="000000">
@@ -27396,7 +27382,7 @@
             <a:effectLst/>
             <a:extLst>
               <a:ext uri="{91240B29-F687-4f45-9708-019B960494DF}">
-                <a14:hiddenLine xmlns:a14="http://schemas.microsoft.com/office/drawing/2010/main" xmlns="" w="12700" cap="flat" cmpd="sng">
+                <a14:hiddenLine xmlns="" xmlns:a14="http://schemas.microsoft.com/office/drawing/2010/main" w="12700" cap="flat" cmpd="sng">
                   <a:solidFill>
                     <a:srgbClr val="000000"/>
                   </a:solidFill>
@@ -27407,7 +27393,7 @@
                 </a14:hiddenLine>
               </a:ext>
               <a:ext uri="{AF507438-7753-43e0-B8FC-AC1667EBCBE1}">
-                <a14:hiddenEffects xmlns:a14="http://schemas.microsoft.com/office/drawing/2010/main" xmlns="">
+                <a14:hiddenEffects xmlns="" xmlns:a14="http://schemas.microsoft.com/office/drawing/2010/main">
                   <a:effectLst>
                     <a:outerShdw blurRad="63500" dist="38099" dir="2700000" algn="ctr" rotWithShape="0">
                       <a:srgbClr val="000000">
@@ -27685,7 +27671,7 @@
             <a:effectLst/>
             <a:extLst>
               <a:ext uri="{91240B29-F687-4f45-9708-019B960494DF}">
-                <a14:hiddenLine xmlns:a14="http://schemas.microsoft.com/office/drawing/2010/main" xmlns="" w="12700" cap="flat" cmpd="sng">
+                <a14:hiddenLine xmlns="" xmlns:a14="http://schemas.microsoft.com/office/drawing/2010/main" w="12700" cap="flat" cmpd="sng">
                   <a:solidFill>
                     <a:srgbClr val="000000"/>
                   </a:solidFill>
@@ -27696,7 +27682,7 @@
                 </a14:hiddenLine>
               </a:ext>
               <a:ext uri="{AF507438-7753-43e0-B8FC-AC1667EBCBE1}">
-                <a14:hiddenEffects xmlns:a14="http://schemas.microsoft.com/office/drawing/2010/main" xmlns="">
+                <a14:hiddenEffects xmlns="" xmlns:a14="http://schemas.microsoft.com/office/drawing/2010/main">
                   <a:effectLst>
                     <a:outerShdw blurRad="63500" dist="38099" dir="2700000" algn="ctr" rotWithShape="0">
                       <a:srgbClr val="000000">
@@ -29639,11 +29625,11 @@
   <p:clrMapOvr>
     <a:masterClrMapping/>
   </p:clrMapOvr>
-  <mc:AlternateContent xmlns:mc="http://schemas.openxmlformats.org/markup-compatibility/2006">
-    <mc:Choice xmlns:p14="http://schemas.microsoft.com/office/powerpoint/2010/main" Requires="p14">
+  <mc:AlternateContent xmlns:mc="http://schemas.openxmlformats.org/markup-compatibility/2006" xmlns:p14="http://schemas.microsoft.com/office/powerpoint/2010/main">
+    <mc:Choice Requires="p14">
       <p:transition p14:dur="0"/>
     </mc:Choice>
-    <mc:Fallback>
+    <mc:Fallback xmlns="">
       <p:transition/>
     </mc:Fallback>
   </mc:AlternateContent>
@@ -30728,14 +30714,7 @@
                 <a:latin typeface="나눔스퀘어" panose="020B0600000101010101" pitchFamily="50" charset="-127"/>
                 <a:ea typeface="나눔스퀘어" panose="020B0600000101010101" pitchFamily="50" charset="-127"/>
               </a:rPr>
-              <a:t>웹</a:t>
-            </a:r>
-            <a:r>
-              <a:rPr lang="ko-KR" altLang="en-US" sz="1600" dirty="0" err="1" smtClean="0">
-                <a:latin typeface="나눔스퀘어" panose="020B0600000101010101" pitchFamily="50" charset="-127"/>
-                <a:ea typeface="나눔스퀘어" panose="020B0600000101010101" pitchFamily="50" charset="-127"/>
-              </a:rPr>
-              <a:t>스크래핑</a:t>
+              <a:t>웹스크래핑</a:t>
             </a:r>
             <a:r>
               <a:rPr lang="en-US" altLang="ko-KR" sz="1600" dirty="0" smtClean="0">
@@ -30765,10 +30744,6 @@
               </a:rPr>
               <a:t>: Selenium for Chrome</a:t>
             </a:r>
-            <a:endParaRPr lang="en-US" altLang="ko-KR" sz="1600" dirty="0" smtClean="0">
-              <a:latin typeface="나눔스퀘어" panose="020B0600000101010101" pitchFamily="50" charset="-127"/>
-              <a:ea typeface="나눔스퀘어" panose="020B0600000101010101" pitchFamily="50" charset="-127"/>
-            </a:endParaRPr>
           </a:p>
           <a:p>
             <a:pPr marL="179388" lvl="1" indent="-179388">
@@ -30825,14 +30800,7 @@
                 <a:latin typeface="나눔스퀘어" panose="020B0600000101010101" pitchFamily="50" charset="-127"/>
                 <a:ea typeface="나눔스퀘어" panose="020B0600000101010101" pitchFamily="50" charset="-127"/>
               </a:rPr>
-              <a:t>: Python, Django, MySQL, </a:t>
-            </a:r>
-            <a:r>
-              <a:rPr lang="en-US" altLang="ko-KR" sz="1600" dirty="0" smtClean="0">
-                <a:latin typeface="나눔스퀘어" panose="020B0600000101010101" pitchFamily="50" charset="-127"/>
-                <a:ea typeface="나눔스퀘어" panose="020B0600000101010101" pitchFamily="50" charset="-127"/>
-              </a:rPr>
-              <a:t>HTML5 </a:t>
+              <a:t>: Python, Django, MySQL, HTML5 </a:t>
             </a:r>
           </a:p>
           <a:p>
@@ -33674,14 +33642,7 @@
                 <a:latin typeface="나눔스퀘어" panose="020B0600000101010101" pitchFamily="50" charset="-127"/>
                 <a:ea typeface="나눔스퀘어" panose="020B0600000101010101" pitchFamily="50" charset="-127"/>
               </a:rPr>
-              <a:t>월간 </a:t>
-            </a:r>
-            <a:r>
-              <a:rPr lang="ko-KR" altLang="en-US" sz="2000" dirty="0" smtClean="0">
-                <a:latin typeface="나눔스퀘어" panose="020B0600000101010101" pitchFamily="50" charset="-127"/>
-                <a:ea typeface="나눔스퀘어" panose="020B0600000101010101" pitchFamily="50" charset="-127"/>
-              </a:rPr>
-              <a:t>랭킹 데이터</a:t>
+              <a:t>월간 랭킹 데이터</a:t>
             </a:r>
             <a:r>
               <a:rPr lang="en-US" altLang="ko-KR" sz="2000" dirty="0" smtClean="0">
@@ -33774,10 +33735,6 @@
               </a:rPr>
               <a:t>Selenium for Chrome</a:t>
             </a:r>
-            <a:endParaRPr lang="en-US" altLang="ko-KR" sz="2000" dirty="0" smtClean="0">
-              <a:latin typeface="나눔스퀘어" panose="020B0600000101010101" pitchFamily="50" charset="-127"/>
-              <a:ea typeface="나눔스퀘어" panose="020B0600000101010101" pitchFamily="50" charset="-127"/>
-            </a:endParaRPr>
           </a:p>
           <a:p>
             <a:pPr lvl="1"/>
@@ -33786,14 +33743,7 @@
                 <a:latin typeface="나눔스퀘어" panose="020B0600000101010101" pitchFamily="50" charset="-127"/>
                 <a:ea typeface="나눔스퀘어" panose="020B0600000101010101" pitchFamily="50" charset="-127"/>
               </a:rPr>
-              <a:t>DB </a:t>
-            </a:r>
-            <a:r>
-              <a:rPr lang="en-US" altLang="ko-KR" sz="2000" dirty="0" smtClean="0">
-                <a:latin typeface="나눔스퀘어" panose="020B0600000101010101" pitchFamily="50" charset="-127"/>
-                <a:ea typeface="나눔스퀘어" panose="020B0600000101010101" pitchFamily="50" charset="-127"/>
-              </a:rPr>
-              <a:t>: MySQL</a:t>
+              <a:t>DB : MySQL</a:t>
             </a:r>
           </a:p>
           <a:p>
@@ -34239,7 +34189,7 @@
           <a:effectLst/>
           <a:extLst>
             <a:ext uri="{91240B29-F687-4f45-9708-019B960494DF}">
-              <a14:hiddenLine xmlns="" xmlns:a14="http://schemas.microsoft.com/office/drawing/2010/main" w="9525" cap="flat">
+              <a14:hiddenLine xmlns:a14="http://schemas.microsoft.com/office/drawing/2010/main" xmlns="" w="9525" cap="flat">
                 <a:solidFill>
                   <a:srgbClr val="808080"/>
                 </a:solidFill>
@@ -34249,7 +34199,7 @@
               </a14:hiddenLine>
             </a:ext>
             <a:ext uri="{AF507438-7753-43e0-B8FC-AC1667EBCBE1}">
-              <a14:hiddenEffects xmlns="" xmlns:a14="http://schemas.microsoft.com/office/drawing/2010/main">
+              <a14:hiddenEffects xmlns:a14="http://schemas.microsoft.com/office/drawing/2010/main" xmlns="">
                 <a:effectLst>
                   <a:outerShdw blurRad="63500" dist="38099" dir="2700000" algn="ctr" rotWithShape="0">
                     <a:srgbClr val="000000">
@@ -36602,7 +36552,7 @@
           <a:effectLst/>
           <a:extLst>
             <a:ext uri="{91240B29-F687-4f45-9708-019B960494DF}">
-              <a14:hiddenLine xmlns:a14="http://schemas.microsoft.com/office/drawing/2010/main" xmlns="" w="12700" cap="flat" cmpd="sng">
+              <a14:hiddenLine xmlns="" xmlns:a14="http://schemas.microsoft.com/office/drawing/2010/main" w="12700" cap="flat" cmpd="sng">
                 <a:solidFill>
                   <a:srgbClr val="000000"/>
                 </a:solidFill>
@@ -36613,7 +36563,7 @@
               </a14:hiddenLine>
             </a:ext>
             <a:ext uri="{AF507438-7753-43e0-B8FC-AC1667EBCBE1}">
-              <a14:hiddenEffects xmlns:a14="http://schemas.microsoft.com/office/drawing/2010/main" xmlns="">
+              <a14:hiddenEffects xmlns="" xmlns:a14="http://schemas.microsoft.com/office/drawing/2010/main">
                 <a:effectLst>
                   <a:outerShdw blurRad="63500" dist="38099" dir="2700000" algn="ctr" rotWithShape="0">
                     <a:srgbClr val="000000">
@@ -36977,21 +36927,7 @@
                 <a:latin typeface="나눔스퀘어" panose="020B0600000101010101" pitchFamily="50" charset="-127"/>
                 <a:ea typeface="나눔스퀘어" panose="020B0600000101010101" pitchFamily="50" charset="-127"/>
               </a:rPr>
-              <a:t>Version Control </a:t>
-            </a:r>
-            <a:r>
-              <a:rPr lang="en-US" altLang="ko-KR" sz="2000" dirty="0" smtClean="0">
-                <a:latin typeface="나눔스퀘어" panose="020B0600000101010101" pitchFamily="50" charset="-127"/>
-                <a:ea typeface="나눔스퀘어" panose="020B0600000101010101" pitchFamily="50" charset="-127"/>
-              </a:rPr>
-              <a:t>: </a:t>
-            </a:r>
-            <a:r>
-              <a:rPr lang="en-US" altLang="ko-KR" sz="2000" dirty="0" smtClean="0">
-                <a:latin typeface="나눔스퀘어" panose="020B0600000101010101" pitchFamily="50" charset="-127"/>
-                <a:ea typeface="나눔스퀘어" panose="020B0600000101010101" pitchFamily="50" charset="-127"/>
-              </a:rPr>
-              <a:t>GitHub </a:t>
+              <a:t>Version Control : GitHub </a:t>
             </a:r>
             <a:r>
               <a:rPr lang="ko-KR" altLang="en-US" sz="2000" dirty="0" smtClean="0">
@@ -38138,7 +38074,7 @@
           <a:effectLst/>
           <a:extLst>
             <a:ext uri="{91240B29-F687-4f45-9708-019B960494DF}">
-              <a14:hiddenLine xmlns="" xmlns:a14="http://schemas.microsoft.com/office/drawing/2010/main" w="12700" cap="flat" cmpd="sng">
+              <a14:hiddenLine xmlns:a14="http://schemas.microsoft.com/office/drawing/2010/main" xmlns="" w="12700" cap="flat" cmpd="sng">
                 <a:solidFill>
                   <a:srgbClr val="000000"/>
                 </a:solidFill>
@@ -38149,7 +38085,7 @@
               </a14:hiddenLine>
             </a:ext>
             <a:ext uri="{AF507438-7753-43e0-B8FC-AC1667EBCBE1}">
-              <a14:hiddenEffects xmlns="" xmlns:a14="http://schemas.microsoft.com/office/drawing/2010/main">
+              <a14:hiddenEffects xmlns:a14="http://schemas.microsoft.com/office/drawing/2010/main" xmlns="">
                 <a:effectLst>
                   <a:outerShdw blurRad="63500" dist="38099" dir="2700000" algn="ctr" rotWithShape="0">
                     <a:srgbClr val="000000">
@@ -38349,7 +38285,7 @@
             <a:effectLst/>
             <a:extLst>
               <a:ext uri="{91240B29-F687-4f45-9708-019B960494DF}">
-                <a14:hiddenLine xmlns="" xmlns:a14="http://schemas.microsoft.com/office/drawing/2010/main" w="12700" cap="flat" cmpd="sng">
+                <a14:hiddenLine xmlns:a14="http://schemas.microsoft.com/office/drawing/2010/main" xmlns="" w="12700" cap="flat" cmpd="sng">
                   <a:solidFill>
                     <a:srgbClr val="000000"/>
                   </a:solidFill>
@@ -38360,7 +38296,7 @@
                 </a14:hiddenLine>
               </a:ext>
               <a:ext uri="{AF507438-7753-43e0-B8FC-AC1667EBCBE1}">
-                <a14:hiddenEffects xmlns="" xmlns:a14="http://schemas.microsoft.com/office/drawing/2010/main">
+                <a14:hiddenEffects xmlns:a14="http://schemas.microsoft.com/office/drawing/2010/main" xmlns="">
                   <a:effectLst>
                     <a:outerShdw blurRad="63500" dist="38099" dir="2700000" algn="ctr" rotWithShape="0">
                       <a:srgbClr val="000000">
@@ -38573,7 +38509,7 @@
             <a:effectLst/>
             <a:extLst>
               <a:ext uri="{91240B29-F687-4f45-9708-019B960494DF}">
-                <a14:hiddenLine xmlns="" xmlns:a14="http://schemas.microsoft.com/office/drawing/2010/main" w="12700" cap="flat" cmpd="sng">
+                <a14:hiddenLine xmlns:a14="http://schemas.microsoft.com/office/drawing/2010/main" xmlns="" w="12700" cap="flat" cmpd="sng">
                   <a:solidFill>
                     <a:srgbClr val="000000"/>
                   </a:solidFill>
@@ -38584,7 +38520,7 @@
                 </a14:hiddenLine>
               </a:ext>
               <a:ext uri="{AF507438-7753-43e0-B8FC-AC1667EBCBE1}">
-                <a14:hiddenEffects xmlns="" xmlns:a14="http://schemas.microsoft.com/office/drawing/2010/main">
+                <a14:hiddenEffects xmlns:a14="http://schemas.microsoft.com/office/drawing/2010/main" xmlns="">
                   <a:effectLst>
                     <a:outerShdw blurRad="63500" dist="38099" dir="2700000" algn="ctr" rotWithShape="0">
                       <a:srgbClr val="000000">
@@ -39020,7 +38956,7 @@
           <a:effectLst/>
           <a:extLst>
             <a:ext uri="{91240B29-F687-4f45-9708-019B960494DF}">
-              <a14:hiddenLine xmlns="" xmlns:a14="http://schemas.microsoft.com/office/drawing/2010/main" w="12700" cap="flat" cmpd="sng">
+              <a14:hiddenLine xmlns:a14="http://schemas.microsoft.com/office/drawing/2010/main" xmlns="" w="12700" cap="flat" cmpd="sng">
                 <a:solidFill>
                   <a:srgbClr val="000000"/>
                 </a:solidFill>
@@ -39031,7 +38967,7 @@
               </a14:hiddenLine>
             </a:ext>
             <a:ext uri="{AF507438-7753-43e0-B8FC-AC1667EBCBE1}">
-              <a14:hiddenEffects xmlns="" xmlns:a14="http://schemas.microsoft.com/office/drawing/2010/main">
+              <a14:hiddenEffects xmlns:a14="http://schemas.microsoft.com/office/drawing/2010/main" xmlns="">
                 <a:effectLst>
                   <a:outerShdw blurRad="63500" dist="38099" dir="2700000" algn="ctr" rotWithShape="0">
                     <a:srgbClr val="000000">
@@ -39189,7 +39125,7 @@
             <a:effectLst/>
             <a:extLst>
               <a:ext uri="{91240B29-F687-4f45-9708-019B960494DF}">
-                <a14:hiddenLine xmlns="" xmlns:a14="http://schemas.microsoft.com/office/drawing/2010/main" w="12700" cap="flat" cmpd="sng">
+                <a14:hiddenLine xmlns:a14="http://schemas.microsoft.com/office/drawing/2010/main" xmlns="" w="12700" cap="flat" cmpd="sng">
                   <a:solidFill>
                     <a:srgbClr val="000000"/>
                   </a:solidFill>
@@ -39200,7 +39136,7 @@
                 </a14:hiddenLine>
               </a:ext>
               <a:ext uri="{AF507438-7753-43e0-B8FC-AC1667EBCBE1}">
-                <a14:hiddenEffects xmlns="" xmlns:a14="http://schemas.microsoft.com/office/drawing/2010/main">
+                <a14:hiddenEffects xmlns:a14="http://schemas.microsoft.com/office/drawing/2010/main" xmlns="">
                   <a:effectLst>
                     <a:outerShdw blurRad="63500" dist="38099" dir="2700000" algn="ctr" rotWithShape="0">
                       <a:srgbClr val="000000">
@@ -39473,7 +39409,7 @@
             <a:effectLst/>
             <a:extLst>
               <a:ext uri="{91240B29-F687-4f45-9708-019B960494DF}">
-                <a14:hiddenLine xmlns="" xmlns:a14="http://schemas.microsoft.com/office/drawing/2010/main" w="12700" cap="flat" cmpd="sng">
+                <a14:hiddenLine xmlns:a14="http://schemas.microsoft.com/office/drawing/2010/main" xmlns="" w="12700" cap="flat" cmpd="sng">
                   <a:solidFill>
                     <a:srgbClr val="000000"/>
                   </a:solidFill>
@@ -39484,7 +39420,7 @@
                 </a14:hiddenLine>
               </a:ext>
               <a:ext uri="{AF507438-7753-43e0-B8FC-AC1667EBCBE1}">
-                <a14:hiddenEffects xmlns="" xmlns:a14="http://schemas.microsoft.com/office/drawing/2010/main">
+                <a14:hiddenEffects xmlns:a14="http://schemas.microsoft.com/office/drawing/2010/main" xmlns="">
                   <a:effectLst>
                     <a:outerShdw blurRad="63500" dist="38099" dir="2700000" algn="ctr" rotWithShape="0">
                       <a:srgbClr val="000000">
@@ -39625,7 +39561,7 @@
             <a:effectLst/>
             <a:extLst>
               <a:ext uri="{91240B29-F687-4f45-9708-019B960494DF}">
-                <a14:hiddenLine xmlns="" xmlns:a14="http://schemas.microsoft.com/office/drawing/2010/main" w="12700" cap="flat" cmpd="sng">
+                <a14:hiddenLine xmlns:a14="http://schemas.microsoft.com/office/drawing/2010/main" xmlns="" w="12700" cap="flat" cmpd="sng">
                   <a:solidFill>
                     <a:srgbClr val="000000"/>
                   </a:solidFill>
@@ -39636,7 +39572,7 @@
                 </a14:hiddenLine>
               </a:ext>
               <a:ext uri="{AF507438-7753-43e0-B8FC-AC1667EBCBE1}">
-                <a14:hiddenEffects xmlns="" xmlns:a14="http://schemas.microsoft.com/office/drawing/2010/main">
+                <a14:hiddenEffects xmlns:a14="http://schemas.microsoft.com/office/drawing/2010/main" xmlns="">
                   <a:effectLst>
                     <a:outerShdw blurRad="63500" dist="38099" dir="2700000" algn="ctr" rotWithShape="0">
                       <a:srgbClr val="000000">
